--- a/er_diagram.pptx
+++ b/er_diagram.pptx
@@ -104,6 +104,11 @@
       </a:defRPr>
     </a:lvl9pPr>
   </p:defaultTextStyle>
+  <p:extLst>
+    <p:ext uri="{EFAFB233-063F-42B5-8137-9DF3F51BA10A}">
+      <p15:sldGuideLst xmlns:p15="http://schemas.microsoft.com/office/powerpoint/2012/main"/>
+    </p:ext>
+  </p:extLst>
 </p:presentation>
 </file>
 
@@ -4256,6 +4261,176 @@
           <a:p>
             <a:pPr algn="ctr"/>
             <a:r>
+              <a:rPr lang="en-IN" u="sng" dirty="0">
+                <a:solidFill>
+                  <a:schemeClr val="tx1"/>
+                </a:solidFill>
+              </a:rPr>
+              <a:t>user_id</a:t>
+            </a:r>
+          </a:p>
+        </p:txBody>
+      </p:sp>
+      <p:cxnSp>
+        <p:nvCxnSpPr>
+          <p:cNvPr id="64" name="Straight Connector 63">
+            <a:extLst>
+              <a:ext uri="{FF2B5EF4-FFF2-40B4-BE49-F238E27FC236}">
+                <a16:creationId xmlns:a16="http://schemas.microsoft.com/office/drawing/2014/main" id="{DF20444F-BD77-482B-90A2-42AF102D6564}"/>
+              </a:ext>
+            </a:extLst>
+          </p:cNvPr>
+          <p:cNvCxnSpPr>
+            <a:cxnSpLocks/>
+            <a:stCxn id="63" idx="4"/>
+          </p:cNvCxnSpPr>
+          <p:nvPr/>
+        </p:nvCxnSpPr>
+        <p:spPr>
+          <a:xfrm flipH="1">
+            <a:off x="2298724" y="499325"/>
+            <a:ext cx="26435" cy="1098051"/>
+          </a:xfrm>
+          <a:prstGeom prst="line">
+            <a:avLst/>
+          </a:prstGeom>
+        </p:spPr>
+        <p:style>
+          <a:lnRef idx="1">
+            <a:schemeClr val="accent1"/>
+          </a:lnRef>
+          <a:fillRef idx="0">
+            <a:schemeClr val="accent1"/>
+          </a:fillRef>
+          <a:effectRef idx="0">
+            <a:schemeClr val="accent1"/>
+          </a:effectRef>
+          <a:fontRef idx="minor">
+            <a:schemeClr val="tx1"/>
+          </a:fontRef>
+        </p:style>
+      </p:cxnSp>
+      <p:cxnSp>
+        <p:nvCxnSpPr>
+          <p:cNvPr id="71" name="Straight Connector 70">
+            <a:extLst>
+              <a:ext uri="{FF2B5EF4-FFF2-40B4-BE49-F238E27FC236}">
+                <a16:creationId xmlns:a16="http://schemas.microsoft.com/office/drawing/2014/main" id="{B8A8030D-F468-498A-AB36-D3BA36FD7DAE}"/>
+              </a:ext>
+            </a:extLst>
+          </p:cNvPr>
+          <p:cNvCxnSpPr/>
+          <p:nvPr/>
+        </p:nvCxnSpPr>
+        <p:spPr>
+          <a:xfrm>
+            <a:off x="1011204" y="3837440"/>
+            <a:ext cx="765181" cy="476698"/>
+          </a:xfrm>
+          <a:prstGeom prst="line">
+            <a:avLst/>
+          </a:prstGeom>
+        </p:spPr>
+        <p:style>
+          <a:lnRef idx="1">
+            <a:schemeClr val="accent1"/>
+          </a:lnRef>
+          <a:fillRef idx="0">
+            <a:schemeClr val="accent1"/>
+          </a:fillRef>
+          <a:effectRef idx="0">
+            <a:schemeClr val="accent1"/>
+          </a:effectRef>
+          <a:fontRef idx="minor">
+            <a:schemeClr val="tx1"/>
+          </a:fontRef>
+        </p:style>
+      </p:cxnSp>
+      <p:cxnSp>
+        <p:nvCxnSpPr>
+          <p:cNvPr id="72" name="Straight Connector 71">
+            <a:extLst>
+              <a:ext uri="{FF2B5EF4-FFF2-40B4-BE49-F238E27FC236}">
+                <a16:creationId xmlns:a16="http://schemas.microsoft.com/office/drawing/2014/main" id="{4C4DB0D6-9628-402D-A162-646B5C61DABD}"/>
+              </a:ext>
+            </a:extLst>
+          </p:cNvPr>
+          <p:cNvCxnSpPr>
+            <a:cxnSpLocks/>
+            <a:stCxn id="7" idx="1"/>
+          </p:cNvCxnSpPr>
+          <p:nvPr/>
+        </p:nvCxnSpPr>
+        <p:spPr>
+          <a:xfrm flipH="1">
+            <a:off x="801653" y="4528627"/>
+            <a:ext cx="555630" cy="85344"/>
+          </a:xfrm>
+          <a:prstGeom prst="line">
+            <a:avLst/>
+          </a:prstGeom>
+        </p:spPr>
+        <p:style>
+          <a:lnRef idx="1">
+            <a:schemeClr val="accent1"/>
+          </a:lnRef>
+          <a:fillRef idx="0">
+            <a:schemeClr val="accent1"/>
+          </a:fillRef>
+          <a:effectRef idx="0">
+            <a:schemeClr val="accent1"/>
+          </a:effectRef>
+          <a:fontRef idx="minor">
+            <a:schemeClr val="tx1"/>
+          </a:fontRef>
+        </p:style>
+      </p:cxnSp>
+      <p:sp>
+        <p:nvSpPr>
+          <p:cNvPr id="80" name="Oval 79">
+            <a:extLst>
+              <a:ext uri="{FF2B5EF4-FFF2-40B4-BE49-F238E27FC236}">
+                <a16:creationId xmlns:a16="http://schemas.microsoft.com/office/drawing/2014/main" id="{9686FBC5-7A20-46CF-81E6-240C7DCF0B71}"/>
+              </a:ext>
+            </a:extLst>
+          </p:cNvPr>
+          <p:cNvSpPr/>
+          <p:nvPr/>
+        </p:nvSpPr>
+        <p:spPr>
+          <a:xfrm>
+            <a:off x="36822" y="5327646"/>
+            <a:ext cx="1391354" cy="291865"/>
+          </a:xfrm>
+          <a:prstGeom prst="ellipse">
+            <a:avLst/>
+          </a:prstGeom>
+          <a:solidFill>
+            <a:schemeClr val="bg1"/>
+          </a:solidFill>
+        </p:spPr>
+        <p:style>
+          <a:lnRef idx="2">
+            <a:schemeClr val="accent1">
+              <a:shade val="50000"/>
+            </a:schemeClr>
+          </a:lnRef>
+          <a:fillRef idx="1">
+            <a:schemeClr val="accent1"/>
+          </a:fillRef>
+          <a:effectRef idx="0">
+            <a:schemeClr val="accent1"/>
+          </a:effectRef>
+          <a:fontRef idx="minor">
+            <a:schemeClr val="lt1"/>
+          </a:fontRef>
+        </p:style>
+        <p:txBody>
+          <a:bodyPr rtlCol="0" anchor="ctr"/>
+          <a:lstStyle/>
+          <a:p>
+            <a:pPr algn="ctr"/>
+            <a:r>
               <a:rPr lang="en-IN" dirty="0">
                 <a:solidFill>
                   <a:schemeClr val="tx1"/>
@@ -4268,23 +4443,22 @@
       </p:sp>
       <p:cxnSp>
         <p:nvCxnSpPr>
-          <p:cNvPr id="64" name="Straight Connector 63">
-            <a:extLst>
-              <a:ext uri="{FF2B5EF4-FFF2-40B4-BE49-F238E27FC236}">
-                <a16:creationId xmlns:a16="http://schemas.microsoft.com/office/drawing/2014/main" id="{DF20444F-BD77-482B-90A2-42AF102D6564}"/>
+          <p:cNvPr id="83" name="Straight Connector 82">
+            <a:extLst>
+              <a:ext uri="{FF2B5EF4-FFF2-40B4-BE49-F238E27FC236}">
+                <a16:creationId xmlns:a16="http://schemas.microsoft.com/office/drawing/2014/main" id="{2FC5646D-FC7C-4FF9-B4B4-C59E1C7D72A8}"/>
               </a:ext>
             </a:extLst>
           </p:cNvPr>
           <p:cNvCxnSpPr>
             <a:cxnSpLocks/>
-            <a:stCxn id="63" idx="4"/>
           </p:cNvCxnSpPr>
           <p:nvPr/>
         </p:nvCxnSpPr>
         <p:spPr>
-          <a:xfrm flipH="1">
-            <a:off x="2298724" y="499325"/>
-            <a:ext cx="26435" cy="1098051"/>
+          <a:xfrm flipV="1">
+            <a:off x="915124" y="4790837"/>
+            <a:ext cx="513052" cy="536809"/>
           </a:xfrm>
           <a:prstGeom prst="line">
             <a:avLst/>
@@ -4305,87 +4479,12 @@
           </a:fontRef>
         </p:style>
       </p:cxnSp>
-      <p:cxnSp>
-        <p:nvCxnSpPr>
-          <p:cNvPr id="71" name="Straight Connector 70">
-            <a:extLst>
-              <a:ext uri="{FF2B5EF4-FFF2-40B4-BE49-F238E27FC236}">
-                <a16:creationId xmlns:a16="http://schemas.microsoft.com/office/drawing/2014/main" id="{B8A8030D-F468-498A-AB36-D3BA36FD7DAE}"/>
-              </a:ext>
-            </a:extLst>
-          </p:cNvPr>
-          <p:cNvCxnSpPr/>
-          <p:nvPr/>
-        </p:nvCxnSpPr>
-        <p:spPr>
-          <a:xfrm>
-            <a:off x="1011204" y="3837440"/>
-            <a:ext cx="765181" cy="476698"/>
-          </a:xfrm>
-          <a:prstGeom prst="line">
-            <a:avLst/>
-          </a:prstGeom>
-        </p:spPr>
-        <p:style>
-          <a:lnRef idx="1">
-            <a:schemeClr val="accent1"/>
-          </a:lnRef>
-          <a:fillRef idx="0">
-            <a:schemeClr val="accent1"/>
-          </a:fillRef>
-          <a:effectRef idx="0">
-            <a:schemeClr val="accent1"/>
-          </a:effectRef>
-          <a:fontRef idx="minor">
-            <a:schemeClr val="tx1"/>
-          </a:fontRef>
-        </p:style>
-      </p:cxnSp>
-      <p:cxnSp>
-        <p:nvCxnSpPr>
-          <p:cNvPr id="72" name="Straight Connector 71">
-            <a:extLst>
-              <a:ext uri="{FF2B5EF4-FFF2-40B4-BE49-F238E27FC236}">
-                <a16:creationId xmlns:a16="http://schemas.microsoft.com/office/drawing/2014/main" id="{4C4DB0D6-9628-402D-A162-646B5C61DABD}"/>
-              </a:ext>
-            </a:extLst>
-          </p:cNvPr>
-          <p:cNvCxnSpPr>
-            <a:cxnSpLocks/>
-            <a:stCxn id="7" idx="1"/>
-          </p:cNvCxnSpPr>
-          <p:nvPr/>
-        </p:nvCxnSpPr>
-        <p:spPr>
-          <a:xfrm flipH="1">
-            <a:off x="801653" y="4528627"/>
-            <a:ext cx="555630" cy="85344"/>
-          </a:xfrm>
-          <a:prstGeom prst="line">
-            <a:avLst/>
-          </a:prstGeom>
-        </p:spPr>
-        <p:style>
-          <a:lnRef idx="1">
-            <a:schemeClr val="accent1"/>
-          </a:lnRef>
-          <a:fillRef idx="0">
-            <a:schemeClr val="accent1"/>
-          </a:fillRef>
-          <a:effectRef idx="0">
-            <a:schemeClr val="accent1"/>
-          </a:effectRef>
-          <a:fontRef idx="minor">
-            <a:schemeClr val="tx1"/>
-          </a:fontRef>
-        </p:style>
-      </p:cxnSp>
-      <p:sp>
-        <p:nvSpPr>
-          <p:cNvPr id="80" name="Oval 79">
-            <a:extLst>
-              <a:ext uri="{FF2B5EF4-FFF2-40B4-BE49-F238E27FC236}">
-                <a16:creationId xmlns:a16="http://schemas.microsoft.com/office/drawing/2014/main" id="{9686FBC5-7A20-46CF-81E6-240C7DCF0B71}"/>
+      <p:sp>
+        <p:nvSpPr>
+          <p:cNvPr id="86" name="Oval 85">
+            <a:extLst>
+              <a:ext uri="{FF2B5EF4-FFF2-40B4-BE49-F238E27FC236}">
+                <a16:creationId xmlns:a16="http://schemas.microsoft.com/office/drawing/2014/main" id="{DE7A859A-0093-4809-818F-CA19F779C876}"/>
               </a:ext>
             </a:extLst>
           </p:cNvPr>
@@ -4394,8 +4493,8 @@
         </p:nvSpPr>
         <p:spPr>
           <a:xfrm>
-            <a:off x="36822" y="5327646"/>
-            <a:ext cx="1391354" cy="291865"/>
+            <a:off x="8227064" y="784961"/>
+            <a:ext cx="1309511" cy="338667"/>
           </a:xfrm>
           <a:prstGeom prst="ellipse">
             <a:avLst/>
@@ -4436,12 +4535,314 @@
           </a:p>
         </p:txBody>
       </p:sp>
+      <p:sp>
+        <p:nvSpPr>
+          <p:cNvPr id="87" name="Oval 86">
+            <a:extLst>
+              <a:ext uri="{FF2B5EF4-FFF2-40B4-BE49-F238E27FC236}">
+                <a16:creationId xmlns:a16="http://schemas.microsoft.com/office/drawing/2014/main" id="{0CF860C4-577A-402C-964C-EDCE1C0D3554}"/>
+              </a:ext>
+            </a:extLst>
+          </p:cNvPr>
+          <p:cNvSpPr/>
+          <p:nvPr/>
+        </p:nvSpPr>
+        <p:spPr>
+          <a:xfrm>
+            <a:off x="9608759" y="904175"/>
+            <a:ext cx="1309511" cy="338667"/>
+          </a:xfrm>
+          <a:prstGeom prst="ellipse">
+            <a:avLst/>
+          </a:prstGeom>
+          <a:solidFill>
+            <a:schemeClr val="bg1"/>
+          </a:solidFill>
+        </p:spPr>
+        <p:style>
+          <a:lnRef idx="2">
+            <a:schemeClr val="accent1">
+              <a:shade val="50000"/>
+            </a:schemeClr>
+          </a:lnRef>
+          <a:fillRef idx="1">
+            <a:schemeClr val="accent1"/>
+          </a:fillRef>
+          <a:effectRef idx="0">
+            <a:schemeClr val="accent1"/>
+          </a:effectRef>
+          <a:fontRef idx="minor">
+            <a:schemeClr val="lt1"/>
+          </a:fontRef>
+        </p:style>
+        <p:txBody>
+          <a:bodyPr rtlCol="0" anchor="ctr"/>
+          <a:lstStyle/>
+          <a:p>
+            <a:pPr algn="ctr"/>
+            <a:r>
+              <a:rPr lang="en-IN" dirty="0">
+                <a:solidFill>
+                  <a:schemeClr val="tx1"/>
+                </a:solidFill>
+              </a:rPr>
+              <a:t>name</a:t>
+            </a:r>
+          </a:p>
+        </p:txBody>
+      </p:sp>
+      <p:sp>
+        <p:nvSpPr>
+          <p:cNvPr id="88" name="Oval 87">
+            <a:extLst>
+              <a:ext uri="{FF2B5EF4-FFF2-40B4-BE49-F238E27FC236}">
+                <a16:creationId xmlns:a16="http://schemas.microsoft.com/office/drawing/2014/main" id="{14880473-F9C8-4CEA-BED8-FBF928DE4C65}"/>
+              </a:ext>
+            </a:extLst>
+          </p:cNvPr>
+          <p:cNvSpPr/>
+          <p:nvPr/>
+        </p:nvSpPr>
+        <p:spPr>
+          <a:xfrm>
+            <a:off x="9759092" y="2168936"/>
+            <a:ext cx="1309511" cy="338667"/>
+          </a:xfrm>
+          <a:prstGeom prst="ellipse">
+            <a:avLst/>
+          </a:prstGeom>
+          <a:solidFill>
+            <a:schemeClr val="bg1"/>
+          </a:solidFill>
+        </p:spPr>
+        <p:style>
+          <a:lnRef idx="2">
+            <a:schemeClr val="accent1">
+              <a:shade val="50000"/>
+            </a:schemeClr>
+          </a:lnRef>
+          <a:fillRef idx="1">
+            <a:schemeClr val="accent1"/>
+          </a:fillRef>
+          <a:effectRef idx="0">
+            <a:schemeClr val="accent1"/>
+          </a:effectRef>
+          <a:fontRef idx="minor">
+            <a:schemeClr val="lt1"/>
+          </a:fontRef>
+        </p:style>
+        <p:txBody>
+          <a:bodyPr rtlCol="0" anchor="ctr"/>
+          <a:lstStyle/>
+          <a:p>
+            <a:pPr algn="ctr"/>
+            <a:r>
+              <a:rPr lang="en-IN" dirty="0">
+                <a:solidFill>
+                  <a:schemeClr val="tx1"/>
+                </a:solidFill>
+              </a:rPr>
+              <a:t>msg</a:t>
+            </a:r>
+          </a:p>
+        </p:txBody>
+      </p:sp>
+      <p:sp>
+        <p:nvSpPr>
+          <p:cNvPr id="89" name="Oval 88">
+            <a:extLst>
+              <a:ext uri="{FF2B5EF4-FFF2-40B4-BE49-F238E27FC236}">
+                <a16:creationId xmlns:a16="http://schemas.microsoft.com/office/drawing/2014/main" id="{4F9AA692-7542-483D-B61F-90270B3A227F}"/>
+              </a:ext>
+            </a:extLst>
+          </p:cNvPr>
+          <p:cNvSpPr/>
+          <p:nvPr/>
+        </p:nvSpPr>
+        <p:spPr>
+          <a:xfrm>
+            <a:off x="9773931" y="1358542"/>
+            <a:ext cx="1309511" cy="338667"/>
+          </a:xfrm>
+          <a:prstGeom prst="ellipse">
+            <a:avLst/>
+          </a:prstGeom>
+          <a:solidFill>
+            <a:schemeClr val="bg1"/>
+          </a:solidFill>
+        </p:spPr>
+        <p:style>
+          <a:lnRef idx="2">
+            <a:schemeClr val="accent1">
+              <a:shade val="50000"/>
+            </a:schemeClr>
+          </a:lnRef>
+          <a:fillRef idx="1">
+            <a:schemeClr val="accent1"/>
+          </a:fillRef>
+          <a:effectRef idx="0">
+            <a:schemeClr val="accent1"/>
+          </a:effectRef>
+          <a:fontRef idx="minor">
+            <a:schemeClr val="lt1"/>
+          </a:fontRef>
+        </p:style>
+        <p:txBody>
+          <a:bodyPr rtlCol="0" anchor="ctr"/>
+          <a:lstStyle/>
+          <a:p>
+            <a:pPr algn="ctr"/>
+            <a:r>
+              <a:rPr lang="en-IN" dirty="0">
+                <a:solidFill>
+                  <a:schemeClr val="tx1"/>
+                </a:solidFill>
+              </a:rPr>
+              <a:t>email</a:t>
+            </a:r>
+          </a:p>
+        </p:txBody>
+      </p:sp>
+      <p:sp>
+        <p:nvSpPr>
+          <p:cNvPr id="90" name="Oval 89">
+            <a:extLst>
+              <a:ext uri="{FF2B5EF4-FFF2-40B4-BE49-F238E27FC236}">
+                <a16:creationId xmlns:a16="http://schemas.microsoft.com/office/drawing/2014/main" id="{32C7B42F-9193-4FFB-A9E7-7C103A0452F6}"/>
+              </a:ext>
+            </a:extLst>
+          </p:cNvPr>
+          <p:cNvSpPr/>
+          <p:nvPr/>
+        </p:nvSpPr>
+        <p:spPr>
+          <a:xfrm>
+            <a:off x="9954543" y="1657767"/>
+            <a:ext cx="1309511" cy="338667"/>
+          </a:xfrm>
+          <a:prstGeom prst="ellipse">
+            <a:avLst/>
+          </a:prstGeom>
+          <a:solidFill>
+            <a:schemeClr val="bg1"/>
+          </a:solidFill>
+        </p:spPr>
+        <p:style>
+          <a:lnRef idx="2">
+            <a:schemeClr val="accent1">
+              <a:shade val="50000"/>
+            </a:schemeClr>
+          </a:lnRef>
+          <a:fillRef idx="1">
+            <a:schemeClr val="accent1"/>
+          </a:fillRef>
+          <a:effectRef idx="0">
+            <a:schemeClr val="accent1"/>
+          </a:effectRef>
+          <a:fontRef idx="minor">
+            <a:schemeClr val="lt1"/>
+          </a:fontRef>
+        </p:style>
+        <p:txBody>
+          <a:bodyPr rtlCol="0" anchor="ctr"/>
+          <a:lstStyle/>
+          <a:p>
+            <a:pPr algn="ctr"/>
+            <a:r>
+              <a:rPr lang="en-IN" dirty="0">
+                <a:solidFill>
+                  <a:schemeClr val="tx1"/>
+                </a:solidFill>
+              </a:rPr>
+              <a:t>phn_no</a:t>
+            </a:r>
+          </a:p>
+        </p:txBody>
+      </p:sp>
       <p:cxnSp>
         <p:nvCxnSpPr>
-          <p:cNvPr id="83" name="Straight Connector 82">
-            <a:extLst>
-              <a:ext uri="{FF2B5EF4-FFF2-40B4-BE49-F238E27FC236}">
-                <a16:creationId xmlns:a16="http://schemas.microsoft.com/office/drawing/2014/main" id="{2FC5646D-FC7C-4FF9-B4B4-C59E1C7D72A8}"/>
+          <p:cNvPr id="96" name="Straight Connector 95">
+            <a:extLst>
+              <a:ext uri="{FF2B5EF4-FFF2-40B4-BE49-F238E27FC236}">
+                <a16:creationId xmlns:a16="http://schemas.microsoft.com/office/drawing/2014/main" id="{69D5569A-0CAE-47AC-95E8-8CD29BAA9E6B}"/>
+              </a:ext>
+            </a:extLst>
+          </p:cNvPr>
+          <p:cNvCxnSpPr>
+            <a:cxnSpLocks/>
+            <a:endCxn id="6" idx="0"/>
+          </p:cNvCxnSpPr>
+          <p:nvPr/>
+        </p:nvCxnSpPr>
+        <p:spPr>
+          <a:xfrm>
+            <a:off x="8666761" y="1123628"/>
+            <a:ext cx="133203" cy="410630"/>
+          </a:xfrm>
+          <a:prstGeom prst="line">
+            <a:avLst/>
+          </a:prstGeom>
+        </p:spPr>
+        <p:style>
+          <a:lnRef idx="1">
+            <a:schemeClr val="accent1"/>
+          </a:lnRef>
+          <a:fillRef idx="0">
+            <a:schemeClr val="accent1"/>
+          </a:fillRef>
+          <a:effectRef idx="0">
+            <a:schemeClr val="accent1"/>
+          </a:effectRef>
+          <a:fontRef idx="minor">
+            <a:schemeClr val="tx1"/>
+          </a:fontRef>
+        </p:style>
+      </p:cxnSp>
+      <p:cxnSp>
+        <p:nvCxnSpPr>
+          <p:cNvPr id="98" name="Straight Connector 97">
+            <a:extLst>
+              <a:ext uri="{FF2B5EF4-FFF2-40B4-BE49-F238E27FC236}">
+                <a16:creationId xmlns:a16="http://schemas.microsoft.com/office/drawing/2014/main" id="{FD424FDB-C1FF-4727-B5B2-93F7E9AD46F0}"/>
+              </a:ext>
+            </a:extLst>
+          </p:cNvPr>
+          <p:cNvCxnSpPr>
+            <a:cxnSpLocks/>
+            <a:endCxn id="6" idx="3"/>
+          </p:cNvCxnSpPr>
+          <p:nvPr/>
+        </p:nvCxnSpPr>
+        <p:spPr>
+          <a:xfrm flipH="1">
+            <a:off x="9550675" y="1565123"/>
+            <a:ext cx="242534" cy="183624"/>
+          </a:xfrm>
+          <a:prstGeom prst="line">
+            <a:avLst/>
+          </a:prstGeom>
+        </p:spPr>
+        <p:style>
+          <a:lnRef idx="1">
+            <a:schemeClr val="accent1"/>
+          </a:lnRef>
+          <a:fillRef idx="0">
+            <a:schemeClr val="accent1"/>
+          </a:fillRef>
+          <a:effectRef idx="0">
+            <a:schemeClr val="accent1"/>
+          </a:effectRef>
+          <a:fontRef idx="minor">
+            <a:schemeClr val="tx1"/>
+          </a:fontRef>
+        </p:style>
+      </p:cxnSp>
+      <p:cxnSp>
+        <p:nvCxnSpPr>
+          <p:cNvPr id="99" name="Straight Connector 98">
+            <a:extLst>
+              <a:ext uri="{FF2B5EF4-FFF2-40B4-BE49-F238E27FC236}">
+                <a16:creationId xmlns:a16="http://schemas.microsoft.com/office/drawing/2014/main" id="{42395D14-5543-4223-81E5-F10AA0B9405A}"/>
               </a:ext>
             </a:extLst>
           </p:cNvPr>
@@ -4451,9 +4852,381 @@
           <p:nvPr/>
         </p:nvCxnSpPr>
         <p:spPr>
+          <a:xfrm flipH="1">
+            <a:off x="9245876" y="1203331"/>
+            <a:ext cx="403819" cy="349196"/>
+          </a:xfrm>
+          <a:prstGeom prst="line">
+            <a:avLst/>
+          </a:prstGeom>
+        </p:spPr>
+        <p:style>
+          <a:lnRef idx="1">
+            <a:schemeClr val="accent1"/>
+          </a:lnRef>
+          <a:fillRef idx="0">
+            <a:schemeClr val="accent1"/>
+          </a:fillRef>
+          <a:effectRef idx="0">
+            <a:schemeClr val="accent1"/>
+          </a:effectRef>
+          <a:fontRef idx="minor">
+            <a:schemeClr val="tx1"/>
+          </a:fontRef>
+        </p:style>
+      </p:cxnSp>
+      <p:cxnSp>
+        <p:nvCxnSpPr>
+          <p:cNvPr id="104" name="Straight Connector 103">
+            <a:extLst>
+              <a:ext uri="{FF2B5EF4-FFF2-40B4-BE49-F238E27FC236}">
+                <a16:creationId xmlns:a16="http://schemas.microsoft.com/office/drawing/2014/main" id="{5EA3A3A8-208F-443B-9FFB-DF8C7C8E42FD}"/>
+              </a:ext>
+            </a:extLst>
+          </p:cNvPr>
+          <p:cNvCxnSpPr>
+            <a:cxnSpLocks/>
+          </p:cNvCxnSpPr>
+          <p:nvPr/>
+        </p:nvCxnSpPr>
+        <p:spPr>
+          <a:xfrm flipH="1">
+            <a:off x="9550675" y="1901503"/>
+            <a:ext cx="416835" cy="36033"/>
+          </a:xfrm>
+          <a:prstGeom prst="line">
+            <a:avLst/>
+          </a:prstGeom>
+        </p:spPr>
+        <p:style>
+          <a:lnRef idx="1">
+            <a:schemeClr val="accent1"/>
+          </a:lnRef>
+          <a:fillRef idx="0">
+            <a:schemeClr val="accent1"/>
+          </a:fillRef>
+          <a:effectRef idx="0">
+            <a:schemeClr val="accent1"/>
+          </a:effectRef>
+          <a:fontRef idx="minor">
+            <a:schemeClr val="tx1"/>
+          </a:fontRef>
+        </p:style>
+      </p:cxnSp>
+      <p:cxnSp>
+        <p:nvCxnSpPr>
+          <p:cNvPr id="107" name="Straight Connector 106">
+            <a:extLst>
+              <a:ext uri="{FF2B5EF4-FFF2-40B4-BE49-F238E27FC236}">
+                <a16:creationId xmlns:a16="http://schemas.microsoft.com/office/drawing/2014/main" id="{9A33FE81-1418-46D6-9EBD-8A334863E231}"/>
+              </a:ext>
+            </a:extLst>
+          </p:cNvPr>
+          <p:cNvCxnSpPr>
+            <a:cxnSpLocks/>
+          </p:cNvCxnSpPr>
+          <p:nvPr/>
+        </p:nvCxnSpPr>
+        <p:spPr>
+          <a:xfrm flipH="1" flipV="1">
+            <a:off x="9245877" y="1963237"/>
+            <a:ext cx="586272" cy="282444"/>
+          </a:xfrm>
+          <a:prstGeom prst="line">
+            <a:avLst/>
+          </a:prstGeom>
+        </p:spPr>
+        <p:style>
+          <a:lnRef idx="1">
+            <a:schemeClr val="accent1"/>
+          </a:lnRef>
+          <a:fillRef idx="0">
+            <a:schemeClr val="accent1"/>
+          </a:fillRef>
+          <a:effectRef idx="0">
+            <a:schemeClr val="accent1"/>
+          </a:effectRef>
+          <a:fontRef idx="minor">
+            <a:schemeClr val="tx1"/>
+          </a:fontRef>
+        </p:style>
+      </p:cxnSp>
+      <p:cxnSp>
+        <p:nvCxnSpPr>
+          <p:cNvPr id="122" name="Straight Connector 121">
+            <a:extLst>
+              <a:ext uri="{FF2B5EF4-FFF2-40B4-BE49-F238E27FC236}">
+                <a16:creationId xmlns:a16="http://schemas.microsoft.com/office/drawing/2014/main" id="{F3851897-C6E3-4A99-A84F-C1951E04A028}"/>
+              </a:ext>
+            </a:extLst>
+          </p:cNvPr>
+          <p:cNvCxnSpPr>
+            <a:cxnSpLocks/>
+            <a:stCxn id="18" idx="3"/>
+          </p:cNvCxnSpPr>
+          <p:nvPr/>
+        </p:nvCxnSpPr>
+        <p:spPr>
+          <a:xfrm flipH="1">
+            <a:off x="2558725" y="783566"/>
+            <a:ext cx="236080" cy="829182"/>
+          </a:xfrm>
+          <a:prstGeom prst="line">
+            <a:avLst/>
+          </a:prstGeom>
+        </p:spPr>
+        <p:style>
+          <a:lnRef idx="1">
+            <a:schemeClr val="accent1"/>
+          </a:lnRef>
+          <a:fillRef idx="0">
+            <a:schemeClr val="accent1"/>
+          </a:fillRef>
+          <a:effectRef idx="0">
+            <a:schemeClr val="accent1"/>
+          </a:effectRef>
+          <a:fontRef idx="minor">
+            <a:schemeClr val="tx1"/>
+          </a:fontRef>
+        </p:style>
+      </p:cxnSp>
+      <p:sp>
+        <p:nvSpPr>
+          <p:cNvPr id="140" name="Flowchart: Decision 139">
+            <a:extLst>
+              <a:ext uri="{FF2B5EF4-FFF2-40B4-BE49-F238E27FC236}">
+                <a16:creationId xmlns:a16="http://schemas.microsoft.com/office/drawing/2014/main" id="{7AC7E297-CDA3-4A18-BF1B-0F0082D95C9D}"/>
+              </a:ext>
+            </a:extLst>
+          </p:cNvPr>
+          <p:cNvSpPr/>
+          <p:nvPr/>
+        </p:nvSpPr>
+        <p:spPr>
+          <a:xfrm>
+            <a:off x="1633339" y="2422385"/>
+            <a:ext cx="1236335" cy="673112"/>
+          </a:xfrm>
+          <a:prstGeom prst="flowChartDecision">
+            <a:avLst/>
+          </a:prstGeom>
+        </p:spPr>
+        <p:style>
+          <a:lnRef idx="2">
+            <a:schemeClr val="accent1">
+              <a:shade val="50000"/>
+            </a:schemeClr>
+          </a:lnRef>
+          <a:fillRef idx="1">
+            <a:schemeClr val="accent1"/>
+          </a:fillRef>
+          <a:effectRef idx="0">
+            <a:schemeClr val="accent1"/>
+          </a:effectRef>
+          <a:fontRef idx="minor">
+            <a:schemeClr val="lt1"/>
+          </a:fontRef>
+        </p:style>
+        <p:txBody>
+          <a:bodyPr rtlCol="0" anchor="ctr"/>
+          <a:lstStyle/>
+          <a:p>
+            <a:pPr algn="ctr"/>
+            <a:r>
+              <a:rPr lang="en-IN" dirty="0"/>
+              <a:t>add</a:t>
+            </a:r>
+          </a:p>
+        </p:txBody>
+      </p:sp>
+      <p:sp>
+        <p:nvSpPr>
+          <p:cNvPr id="141" name="Flowchart: Decision 140">
+            <a:extLst>
+              <a:ext uri="{FF2B5EF4-FFF2-40B4-BE49-F238E27FC236}">
+                <a16:creationId xmlns:a16="http://schemas.microsoft.com/office/drawing/2014/main" id="{4B67333C-D01B-4D57-93AE-E8F9F68E5C93}"/>
+              </a:ext>
+            </a:extLst>
+          </p:cNvPr>
+          <p:cNvSpPr/>
+          <p:nvPr/>
+        </p:nvSpPr>
+        <p:spPr>
+          <a:xfrm>
+            <a:off x="5080353" y="1516157"/>
+            <a:ext cx="1945015" cy="673112"/>
+          </a:xfrm>
+          <a:prstGeom prst="flowChartDecision">
+            <a:avLst/>
+          </a:prstGeom>
+        </p:spPr>
+        <p:style>
+          <a:lnRef idx="2">
+            <a:schemeClr val="accent1">
+              <a:shade val="50000"/>
+            </a:schemeClr>
+          </a:lnRef>
+          <a:fillRef idx="1">
+            <a:schemeClr val="accent1"/>
+          </a:fillRef>
+          <a:effectRef idx="0">
+            <a:schemeClr val="accent1"/>
+          </a:effectRef>
+          <a:fontRef idx="minor">
+            <a:schemeClr val="lt1"/>
+          </a:fontRef>
+        </p:style>
+        <p:txBody>
+          <a:bodyPr rtlCol="0" anchor="ctr"/>
+          <a:lstStyle/>
+          <a:p>
+            <a:pPr algn="ctr"/>
+            <a:r>
+              <a:rPr lang="en-IN" dirty="0"/>
+              <a:t>connect</a:t>
+            </a:r>
+          </a:p>
+        </p:txBody>
+      </p:sp>
+      <p:cxnSp>
+        <p:nvCxnSpPr>
+          <p:cNvPr id="144" name="Straight Connector 143">
+            <a:extLst>
+              <a:ext uri="{FF2B5EF4-FFF2-40B4-BE49-F238E27FC236}">
+                <a16:creationId xmlns:a16="http://schemas.microsoft.com/office/drawing/2014/main" id="{2CAEE512-802B-4252-BF0C-5FCEAF1E9B98}"/>
+              </a:ext>
+            </a:extLst>
+          </p:cNvPr>
+          <p:cNvCxnSpPr>
+            <a:cxnSpLocks/>
+            <a:stCxn id="140" idx="2"/>
+            <a:endCxn id="7" idx="0"/>
+          </p:cNvCxnSpPr>
+          <p:nvPr/>
+        </p:nvCxnSpPr>
+        <p:spPr>
+          <a:xfrm flipH="1">
+            <a:off x="2107994" y="3095497"/>
+            <a:ext cx="143513" cy="1218641"/>
+          </a:xfrm>
+          <a:prstGeom prst="line">
+            <a:avLst/>
+          </a:prstGeom>
+        </p:spPr>
+        <p:style>
+          <a:lnRef idx="1">
+            <a:schemeClr val="accent1"/>
+          </a:lnRef>
+          <a:fillRef idx="0">
+            <a:schemeClr val="accent1"/>
+          </a:fillRef>
+          <a:effectRef idx="0">
+            <a:schemeClr val="accent1"/>
+          </a:effectRef>
+          <a:fontRef idx="minor">
+            <a:schemeClr val="tx1"/>
+          </a:fontRef>
+        </p:style>
+      </p:cxnSp>
+      <p:cxnSp>
+        <p:nvCxnSpPr>
+          <p:cNvPr id="148" name="Straight Connector 147">
+            <a:extLst>
+              <a:ext uri="{FF2B5EF4-FFF2-40B4-BE49-F238E27FC236}">
+                <a16:creationId xmlns:a16="http://schemas.microsoft.com/office/drawing/2014/main" id="{A6D98A81-300B-44A8-91DD-25E71481CCD4}"/>
+              </a:ext>
+            </a:extLst>
+          </p:cNvPr>
+          <p:cNvCxnSpPr>
+            <a:cxnSpLocks/>
+            <a:endCxn id="140" idx="0"/>
+          </p:cNvCxnSpPr>
+          <p:nvPr/>
+        </p:nvCxnSpPr>
+        <p:spPr>
+          <a:xfrm flipH="1">
+            <a:off x="2251507" y="2057143"/>
+            <a:ext cx="105050" cy="365242"/>
+          </a:xfrm>
+          <a:prstGeom prst="line">
+            <a:avLst/>
+          </a:prstGeom>
+        </p:spPr>
+        <p:style>
+          <a:lnRef idx="1">
+            <a:schemeClr val="accent1"/>
+          </a:lnRef>
+          <a:fillRef idx="0">
+            <a:schemeClr val="accent1"/>
+          </a:fillRef>
+          <a:effectRef idx="0">
+            <a:schemeClr val="accent1"/>
+          </a:effectRef>
+          <a:fontRef idx="minor">
+            <a:schemeClr val="tx1"/>
+          </a:fontRef>
+        </p:style>
+      </p:cxnSp>
+      <p:cxnSp>
+        <p:nvCxnSpPr>
+          <p:cNvPr id="150" name="Straight Connector 149">
+            <a:extLst>
+              <a:ext uri="{FF2B5EF4-FFF2-40B4-BE49-F238E27FC236}">
+                <a16:creationId xmlns:a16="http://schemas.microsoft.com/office/drawing/2014/main" id="{FB623541-05F3-449E-A1E7-1F1C56E9F53D}"/>
+              </a:ext>
+            </a:extLst>
+          </p:cNvPr>
+          <p:cNvCxnSpPr>
+            <a:cxnSpLocks/>
+            <a:stCxn id="5" idx="3"/>
+            <a:endCxn id="141" idx="1"/>
+          </p:cNvCxnSpPr>
+          <p:nvPr/>
+        </p:nvCxnSpPr>
+        <p:spPr>
+          <a:xfrm>
+            <a:off x="3251200" y="1834444"/>
+            <a:ext cx="1829153" cy="18269"/>
+          </a:xfrm>
+          <a:prstGeom prst="line">
+            <a:avLst/>
+          </a:prstGeom>
+        </p:spPr>
+        <p:style>
+          <a:lnRef idx="1">
+            <a:schemeClr val="accent1"/>
+          </a:lnRef>
+          <a:fillRef idx="0">
+            <a:schemeClr val="accent1"/>
+          </a:fillRef>
+          <a:effectRef idx="0">
+            <a:schemeClr val="accent1"/>
+          </a:effectRef>
+          <a:fontRef idx="minor">
+            <a:schemeClr val="tx1"/>
+          </a:fontRef>
+        </p:style>
+      </p:cxnSp>
+      <p:cxnSp>
+        <p:nvCxnSpPr>
+          <p:cNvPr id="154" name="Straight Connector 153">
+            <a:extLst>
+              <a:ext uri="{FF2B5EF4-FFF2-40B4-BE49-F238E27FC236}">
+                <a16:creationId xmlns:a16="http://schemas.microsoft.com/office/drawing/2014/main" id="{C95CB51B-1C14-4FB6-B603-9A55744D3C15}"/>
+              </a:ext>
+            </a:extLst>
+          </p:cNvPr>
+          <p:cNvCxnSpPr>
+            <a:cxnSpLocks/>
+            <a:stCxn id="141" idx="3"/>
+            <a:endCxn id="6" idx="1"/>
+          </p:cNvCxnSpPr>
+          <p:nvPr/>
+        </p:nvCxnSpPr>
+        <p:spPr>
           <a:xfrm flipV="1">
-            <a:off x="915124" y="4790837"/>
-            <a:ext cx="513052" cy="536809"/>
+            <a:off x="7025368" y="1748747"/>
+            <a:ext cx="1023885" cy="103966"/>
           </a:xfrm>
           <a:prstGeom prst="line">
             <a:avLst/>
@@ -4476,10 +5249,189 @@
       </p:cxnSp>
       <p:sp>
         <p:nvSpPr>
-          <p:cNvPr id="86" name="Oval 85">
-            <a:extLst>
-              <a:ext uri="{FF2B5EF4-FFF2-40B4-BE49-F238E27FC236}">
-                <a16:creationId xmlns:a16="http://schemas.microsoft.com/office/drawing/2014/main" id="{DE7A859A-0093-4809-818F-CA19F779C876}"/>
+          <p:cNvPr id="162" name="TextBox 161">
+            <a:extLst>
+              <a:ext uri="{FF2B5EF4-FFF2-40B4-BE49-F238E27FC236}">
+                <a16:creationId xmlns:a16="http://schemas.microsoft.com/office/drawing/2014/main" id="{10C88D24-3762-4D7B-B2F1-FD31C72EF31B}"/>
+              </a:ext>
+            </a:extLst>
+          </p:cNvPr>
+          <p:cNvSpPr txBox="1"/>
+          <p:nvPr/>
+        </p:nvSpPr>
+        <p:spPr>
+          <a:xfrm>
+            <a:off x="2275830" y="2078756"/>
+            <a:ext cx="254000" cy="369332"/>
+          </a:xfrm>
+          <a:prstGeom prst="rect">
+            <a:avLst/>
+          </a:prstGeom>
+          <a:noFill/>
+        </p:spPr>
+        <p:txBody>
+          <a:bodyPr wrap="square" rtlCol="0">
+            <a:spAutoFit/>
+          </a:bodyPr>
+          <a:lstStyle/>
+          <a:p>
+            <a:r>
+              <a:rPr lang="en-IN" dirty="0"/>
+              <a:t>1</a:t>
+            </a:r>
+          </a:p>
+        </p:txBody>
+      </p:sp>
+      <p:sp>
+        <p:nvSpPr>
+          <p:cNvPr id="164" name="TextBox 163">
+            <a:extLst>
+              <a:ext uri="{FF2B5EF4-FFF2-40B4-BE49-F238E27FC236}">
+                <a16:creationId xmlns:a16="http://schemas.microsoft.com/office/drawing/2014/main" id="{23378908-E552-435B-B240-50EBD4CB0283}"/>
+              </a:ext>
+            </a:extLst>
+          </p:cNvPr>
+          <p:cNvSpPr txBox="1"/>
+          <p:nvPr/>
+        </p:nvSpPr>
+        <p:spPr>
+          <a:xfrm>
+            <a:off x="4264526" y="1808513"/>
+            <a:ext cx="254000" cy="369332"/>
+          </a:xfrm>
+          <a:prstGeom prst="rect">
+            <a:avLst/>
+          </a:prstGeom>
+          <a:noFill/>
+        </p:spPr>
+        <p:txBody>
+          <a:bodyPr wrap="square" rtlCol="0">
+            <a:spAutoFit/>
+          </a:bodyPr>
+          <a:lstStyle/>
+          <a:p>
+            <a:r>
+              <a:rPr lang="en-IN" dirty="0"/>
+              <a:t>1</a:t>
+            </a:r>
+          </a:p>
+        </p:txBody>
+      </p:sp>
+      <p:sp>
+        <p:nvSpPr>
+          <p:cNvPr id="165" name="TextBox 164">
+            <a:extLst>
+              <a:ext uri="{FF2B5EF4-FFF2-40B4-BE49-F238E27FC236}">
+                <a16:creationId xmlns:a16="http://schemas.microsoft.com/office/drawing/2014/main" id="{C0A4383F-7C0D-4B06-B253-DE03EFEF2BA7}"/>
+              </a:ext>
+            </a:extLst>
+          </p:cNvPr>
+          <p:cNvSpPr txBox="1"/>
+          <p:nvPr/>
+        </p:nvSpPr>
+        <p:spPr>
+          <a:xfrm>
+            <a:off x="7032746" y="1727838"/>
+            <a:ext cx="254000" cy="369332"/>
+          </a:xfrm>
+          <a:prstGeom prst="rect">
+            <a:avLst/>
+          </a:prstGeom>
+          <a:noFill/>
+        </p:spPr>
+        <p:txBody>
+          <a:bodyPr wrap="square" rtlCol="0">
+            <a:spAutoFit/>
+          </a:bodyPr>
+          <a:lstStyle/>
+          <a:p>
+            <a:r>
+              <a:rPr lang="en-IN" dirty="0"/>
+              <a:t>n</a:t>
+            </a:r>
+          </a:p>
+        </p:txBody>
+      </p:sp>
+      <p:sp>
+        <p:nvSpPr>
+          <p:cNvPr id="168" name="TextBox 167">
+            <a:extLst>
+              <a:ext uri="{FF2B5EF4-FFF2-40B4-BE49-F238E27FC236}">
+                <a16:creationId xmlns:a16="http://schemas.microsoft.com/office/drawing/2014/main" id="{3BF587D2-BE76-41E6-89D8-C6E21654960D}"/>
+              </a:ext>
+            </a:extLst>
+          </p:cNvPr>
+          <p:cNvSpPr txBox="1"/>
+          <p:nvPr/>
+        </p:nvSpPr>
+        <p:spPr>
+          <a:xfrm>
+            <a:off x="2208451" y="3572984"/>
+            <a:ext cx="254000" cy="369332"/>
+          </a:xfrm>
+          <a:prstGeom prst="rect">
+            <a:avLst/>
+          </a:prstGeom>
+          <a:noFill/>
+        </p:spPr>
+        <p:txBody>
+          <a:bodyPr wrap="square" rtlCol="0">
+            <a:spAutoFit/>
+          </a:bodyPr>
+          <a:lstStyle/>
+          <a:p>
+            <a:r>
+              <a:rPr lang="en-IN" dirty="0"/>
+              <a:t>n</a:t>
+            </a:r>
+          </a:p>
+        </p:txBody>
+      </p:sp>
+      <p:cxnSp>
+        <p:nvCxnSpPr>
+          <p:cNvPr id="170" name="Straight Connector 169">
+            <a:extLst>
+              <a:ext uri="{FF2B5EF4-FFF2-40B4-BE49-F238E27FC236}">
+                <a16:creationId xmlns:a16="http://schemas.microsoft.com/office/drawing/2014/main" id="{87EF4D5C-0EF7-482A-B4B2-84FDD42DD384}"/>
+              </a:ext>
+            </a:extLst>
+          </p:cNvPr>
+          <p:cNvCxnSpPr>
+            <a:cxnSpLocks/>
+            <a:endCxn id="7" idx="2"/>
+          </p:cNvCxnSpPr>
+          <p:nvPr/>
+        </p:nvCxnSpPr>
+        <p:spPr>
+          <a:xfrm flipH="1" flipV="1">
+            <a:off x="2107994" y="4743116"/>
+            <a:ext cx="30742" cy="737629"/>
+          </a:xfrm>
+          <a:prstGeom prst="line">
+            <a:avLst/>
+          </a:prstGeom>
+        </p:spPr>
+        <p:style>
+          <a:lnRef idx="1">
+            <a:schemeClr val="accent1"/>
+          </a:lnRef>
+          <a:fillRef idx="0">
+            <a:schemeClr val="accent1"/>
+          </a:fillRef>
+          <a:effectRef idx="0">
+            <a:schemeClr val="accent1"/>
+          </a:effectRef>
+          <a:fontRef idx="minor">
+            <a:schemeClr val="tx1"/>
+          </a:fontRef>
+        </p:style>
+      </p:cxnSp>
+      <p:sp>
+        <p:nvSpPr>
+          <p:cNvPr id="179" name="Rectangle 178">
+            <a:extLst>
+              <a:ext uri="{FF2B5EF4-FFF2-40B4-BE49-F238E27FC236}">
+                <a16:creationId xmlns:a16="http://schemas.microsoft.com/office/drawing/2014/main" id="{42890953-00E9-404A-8494-C277599564CE}"/>
               </a:ext>
             </a:extLst>
           </p:cNvPr>
@@ -4488,7 +5440,817 @@
         </p:nvSpPr>
         <p:spPr>
           <a:xfrm>
-            <a:off x="8227064" y="784961"/>
+            <a:off x="4216002" y="5216748"/>
+            <a:ext cx="1501422" cy="428978"/>
+          </a:xfrm>
+          <a:prstGeom prst="rect">
+            <a:avLst/>
+          </a:prstGeom>
+          <a:solidFill>
+            <a:schemeClr val="bg1"/>
+          </a:solidFill>
+        </p:spPr>
+        <p:style>
+          <a:lnRef idx="2">
+            <a:schemeClr val="accent1">
+              <a:shade val="50000"/>
+            </a:schemeClr>
+          </a:lnRef>
+          <a:fillRef idx="1">
+            <a:schemeClr val="accent1"/>
+          </a:fillRef>
+          <a:effectRef idx="0">
+            <a:schemeClr val="accent1"/>
+          </a:effectRef>
+          <a:fontRef idx="minor">
+            <a:schemeClr val="lt1"/>
+          </a:fontRef>
+        </p:style>
+        <p:txBody>
+          <a:bodyPr rtlCol="0" anchor="ctr"/>
+          <a:lstStyle/>
+          <a:p>
+            <a:pPr algn="ctr"/>
+            <a:r>
+              <a:rPr lang="en-IN" dirty="0">
+                <a:solidFill>
+                  <a:schemeClr val="tx1"/>
+                </a:solidFill>
+              </a:rPr>
+              <a:t>admin</a:t>
+            </a:r>
+          </a:p>
+        </p:txBody>
+      </p:sp>
+      <p:sp>
+        <p:nvSpPr>
+          <p:cNvPr id="180" name="Oval 179">
+            <a:extLst>
+              <a:ext uri="{FF2B5EF4-FFF2-40B4-BE49-F238E27FC236}">
+                <a16:creationId xmlns:a16="http://schemas.microsoft.com/office/drawing/2014/main" id="{A3998830-6E39-453C-A010-D19A7C484812}"/>
+              </a:ext>
+            </a:extLst>
+          </p:cNvPr>
+          <p:cNvSpPr/>
+          <p:nvPr/>
+        </p:nvSpPr>
+        <p:spPr>
+          <a:xfrm>
+            <a:off x="5296726" y="6164796"/>
+            <a:ext cx="1309511" cy="281177"/>
+          </a:xfrm>
+          <a:prstGeom prst="ellipse">
+            <a:avLst/>
+          </a:prstGeom>
+          <a:solidFill>
+            <a:schemeClr val="bg1"/>
+          </a:solidFill>
+        </p:spPr>
+        <p:style>
+          <a:lnRef idx="2">
+            <a:schemeClr val="accent1">
+              <a:shade val="50000"/>
+            </a:schemeClr>
+          </a:lnRef>
+          <a:fillRef idx="1">
+            <a:schemeClr val="accent1"/>
+          </a:fillRef>
+          <a:effectRef idx="0">
+            <a:schemeClr val="accent1"/>
+          </a:effectRef>
+          <a:fontRef idx="minor">
+            <a:schemeClr val="lt1"/>
+          </a:fontRef>
+        </p:style>
+        <p:txBody>
+          <a:bodyPr rtlCol="0" anchor="ctr"/>
+          <a:lstStyle/>
+          <a:p>
+            <a:pPr algn="ctr"/>
+            <a:r>
+              <a:rPr lang="en-IN" dirty="0">
+                <a:solidFill>
+                  <a:schemeClr val="tx1"/>
+                </a:solidFill>
+              </a:rPr>
+              <a:t>name</a:t>
+            </a:r>
+          </a:p>
+        </p:txBody>
+      </p:sp>
+      <p:sp>
+        <p:nvSpPr>
+          <p:cNvPr id="181" name="Oval 180">
+            <a:extLst>
+              <a:ext uri="{FF2B5EF4-FFF2-40B4-BE49-F238E27FC236}">
+                <a16:creationId xmlns:a16="http://schemas.microsoft.com/office/drawing/2014/main" id="{6843FFA2-3D5A-40D6-A91E-6D19FA0A50BE}"/>
+              </a:ext>
+            </a:extLst>
+          </p:cNvPr>
+          <p:cNvSpPr/>
+          <p:nvPr/>
+        </p:nvSpPr>
+        <p:spPr>
+          <a:xfrm>
+            <a:off x="3642038" y="6280834"/>
+            <a:ext cx="1697992" cy="338667"/>
+          </a:xfrm>
+          <a:prstGeom prst="ellipse">
+            <a:avLst/>
+          </a:prstGeom>
+          <a:solidFill>
+            <a:schemeClr val="bg1"/>
+          </a:solidFill>
+        </p:spPr>
+        <p:style>
+          <a:lnRef idx="2">
+            <a:schemeClr val="accent1">
+              <a:shade val="50000"/>
+            </a:schemeClr>
+          </a:lnRef>
+          <a:fillRef idx="1">
+            <a:schemeClr val="accent1"/>
+          </a:fillRef>
+          <a:effectRef idx="0">
+            <a:schemeClr val="accent1"/>
+          </a:effectRef>
+          <a:fontRef idx="minor">
+            <a:schemeClr val="lt1"/>
+          </a:fontRef>
+        </p:style>
+        <p:txBody>
+          <a:bodyPr rtlCol="0" anchor="ctr"/>
+          <a:lstStyle/>
+          <a:p>
+            <a:pPr algn="ctr"/>
+            <a:r>
+              <a:rPr lang="en-IN" dirty="0">
+                <a:solidFill>
+                  <a:schemeClr val="tx1"/>
+                </a:solidFill>
+              </a:rPr>
+              <a:t>password</a:t>
+            </a:r>
+          </a:p>
+        </p:txBody>
+      </p:sp>
+      <p:cxnSp>
+        <p:nvCxnSpPr>
+          <p:cNvPr id="185" name="Straight Connector 184">
+            <a:extLst>
+              <a:ext uri="{FF2B5EF4-FFF2-40B4-BE49-F238E27FC236}">
+                <a16:creationId xmlns:a16="http://schemas.microsoft.com/office/drawing/2014/main" id="{CC0E5A99-300B-4D08-B3C1-DFD952B5C39A}"/>
+              </a:ext>
+            </a:extLst>
+          </p:cNvPr>
+          <p:cNvCxnSpPr>
+            <a:cxnSpLocks/>
+          </p:cNvCxnSpPr>
+          <p:nvPr/>
+        </p:nvCxnSpPr>
+        <p:spPr>
+          <a:xfrm>
+            <a:off x="5296726" y="5645726"/>
+            <a:ext cx="419364" cy="573566"/>
+          </a:xfrm>
+          <a:prstGeom prst="line">
+            <a:avLst/>
+          </a:prstGeom>
+        </p:spPr>
+        <p:style>
+          <a:lnRef idx="1">
+            <a:schemeClr val="accent1"/>
+          </a:lnRef>
+          <a:fillRef idx="0">
+            <a:schemeClr val="accent1"/>
+          </a:fillRef>
+          <a:effectRef idx="0">
+            <a:schemeClr val="accent1"/>
+          </a:effectRef>
+          <a:fontRef idx="minor">
+            <a:schemeClr val="tx1"/>
+          </a:fontRef>
+        </p:style>
+      </p:cxnSp>
+      <p:cxnSp>
+        <p:nvCxnSpPr>
+          <p:cNvPr id="187" name="Straight Connector 186">
+            <a:extLst>
+              <a:ext uri="{FF2B5EF4-FFF2-40B4-BE49-F238E27FC236}">
+                <a16:creationId xmlns:a16="http://schemas.microsoft.com/office/drawing/2014/main" id="{A3F4CA1C-5F1B-4D66-83B8-9F316FD1D48A}"/>
+              </a:ext>
+            </a:extLst>
+          </p:cNvPr>
+          <p:cNvCxnSpPr>
+            <a:cxnSpLocks/>
+            <a:endCxn id="181" idx="0"/>
+          </p:cNvCxnSpPr>
+          <p:nvPr/>
+        </p:nvCxnSpPr>
+        <p:spPr>
+          <a:xfrm flipH="1">
+            <a:off x="4491034" y="5637868"/>
+            <a:ext cx="74110" cy="642966"/>
+          </a:xfrm>
+          <a:prstGeom prst="line">
+            <a:avLst/>
+          </a:prstGeom>
+        </p:spPr>
+        <p:style>
+          <a:lnRef idx="1">
+            <a:schemeClr val="accent1"/>
+          </a:lnRef>
+          <a:fillRef idx="0">
+            <a:schemeClr val="accent1"/>
+          </a:fillRef>
+          <a:effectRef idx="0">
+            <a:schemeClr val="accent1"/>
+          </a:effectRef>
+          <a:fontRef idx="minor">
+            <a:schemeClr val="tx1"/>
+          </a:fontRef>
+        </p:style>
+      </p:cxnSp>
+      <p:sp>
+        <p:nvSpPr>
+          <p:cNvPr id="208" name="Flowchart: Decision 207">
+            <a:extLst>
+              <a:ext uri="{FF2B5EF4-FFF2-40B4-BE49-F238E27FC236}">
+                <a16:creationId xmlns:a16="http://schemas.microsoft.com/office/drawing/2014/main" id="{58D718D2-C718-4558-8D0B-81223217203F}"/>
+              </a:ext>
+            </a:extLst>
+          </p:cNvPr>
+          <p:cNvSpPr/>
+          <p:nvPr/>
+        </p:nvSpPr>
+        <p:spPr>
+          <a:xfrm>
+            <a:off x="4031301" y="4104851"/>
+            <a:ext cx="1424950" cy="673112"/>
+          </a:xfrm>
+          <a:prstGeom prst="flowChartDecision">
+            <a:avLst/>
+          </a:prstGeom>
+        </p:spPr>
+        <p:style>
+          <a:lnRef idx="2">
+            <a:schemeClr val="accent1">
+              <a:shade val="50000"/>
+            </a:schemeClr>
+          </a:lnRef>
+          <a:fillRef idx="1">
+            <a:schemeClr val="accent1"/>
+          </a:fillRef>
+          <a:effectRef idx="0">
+            <a:schemeClr val="accent1"/>
+          </a:effectRef>
+          <a:fontRef idx="minor">
+            <a:schemeClr val="lt1"/>
+          </a:fontRef>
+        </p:style>
+        <p:txBody>
+          <a:bodyPr rtlCol="0" anchor="ctr"/>
+          <a:lstStyle/>
+          <a:p>
+            <a:pPr algn="ctr"/>
+            <a:r>
+              <a:rPr lang="en-IN" dirty="0"/>
+              <a:t>view</a:t>
+            </a:r>
+          </a:p>
+        </p:txBody>
+      </p:sp>
+      <p:cxnSp>
+        <p:nvCxnSpPr>
+          <p:cNvPr id="209" name="Straight Connector 208">
+            <a:extLst>
+              <a:ext uri="{FF2B5EF4-FFF2-40B4-BE49-F238E27FC236}">
+                <a16:creationId xmlns:a16="http://schemas.microsoft.com/office/drawing/2014/main" id="{D72B26BB-9581-44E3-9B04-84CAD6212B22}"/>
+              </a:ext>
+            </a:extLst>
+          </p:cNvPr>
+          <p:cNvCxnSpPr>
+            <a:cxnSpLocks/>
+            <a:stCxn id="7" idx="3"/>
+            <a:endCxn id="208" idx="0"/>
+          </p:cNvCxnSpPr>
+          <p:nvPr/>
+        </p:nvCxnSpPr>
+        <p:spPr>
+          <a:xfrm flipV="1">
+            <a:off x="2858705" y="4104851"/>
+            <a:ext cx="1885071" cy="423776"/>
+          </a:xfrm>
+          <a:prstGeom prst="line">
+            <a:avLst/>
+          </a:prstGeom>
+        </p:spPr>
+        <p:style>
+          <a:lnRef idx="1">
+            <a:schemeClr val="accent1"/>
+          </a:lnRef>
+          <a:fillRef idx="0">
+            <a:schemeClr val="accent1"/>
+          </a:fillRef>
+          <a:effectRef idx="0">
+            <a:schemeClr val="accent1"/>
+          </a:effectRef>
+          <a:fontRef idx="minor">
+            <a:schemeClr val="tx1"/>
+          </a:fontRef>
+        </p:style>
+      </p:cxnSp>
+      <p:sp>
+        <p:nvSpPr>
+          <p:cNvPr id="213" name="Oval 212">
+            <a:extLst>
+              <a:ext uri="{FF2B5EF4-FFF2-40B4-BE49-F238E27FC236}">
+                <a16:creationId xmlns:a16="http://schemas.microsoft.com/office/drawing/2014/main" id="{A86DF87E-9402-4757-A70C-717BBF4A47B8}"/>
+              </a:ext>
+            </a:extLst>
+          </p:cNvPr>
+          <p:cNvSpPr/>
+          <p:nvPr/>
+        </p:nvSpPr>
+        <p:spPr>
+          <a:xfrm>
+            <a:off x="2754488" y="5995462"/>
+            <a:ext cx="1501422" cy="338667"/>
+          </a:xfrm>
+          <a:prstGeom prst="ellipse">
+            <a:avLst/>
+          </a:prstGeom>
+          <a:solidFill>
+            <a:schemeClr val="bg1"/>
+          </a:solidFill>
+        </p:spPr>
+        <p:style>
+          <a:lnRef idx="2">
+            <a:schemeClr val="accent1">
+              <a:shade val="50000"/>
+            </a:schemeClr>
+          </a:lnRef>
+          <a:fillRef idx="1">
+            <a:schemeClr val="accent1"/>
+          </a:fillRef>
+          <a:effectRef idx="0">
+            <a:schemeClr val="accent1"/>
+          </a:effectRef>
+          <a:fontRef idx="minor">
+            <a:schemeClr val="lt1"/>
+          </a:fontRef>
+        </p:style>
+        <p:txBody>
+          <a:bodyPr rtlCol="0" anchor="ctr"/>
+          <a:lstStyle/>
+          <a:p>
+            <a:pPr algn="ctr"/>
+            <a:r>
+              <a:rPr lang="en-IN" u="sng" dirty="0">
+                <a:solidFill>
+                  <a:schemeClr val="tx1"/>
+                </a:solidFill>
+              </a:rPr>
+              <a:t>admin_id</a:t>
+            </a:r>
+          </a:p>
+        </p:txBody>
+      </p:sp>
+      <p:cxnSp>
+        <p:nvCxnSpPr>
+          <p:cNvPr id="214" name="Straight Connector 213">
+            <a:extLst>
+              <a:ext uri="{FF2B5EF4-FFF2-40B4-BE49-F238E27FC236}">
+                <a16:creationId xmlns:a16="http://schemas.microsoft.com/office/drawing/2014/main" id="{5F620E50-19BC-4ECE-AE29-0CFBD26DF4F4}"/>
+              </a:ext>
+            </a:extLst>
+          </p:cNvPr>
+          <p:cNvCxnSpPr>
+            <a:cxnSpLocks/>
+          </p:cNvCxnSpPr>
+          <p:nvPr/>
+        </p:nvCxnSpPr>
+        <p:spPr>
+          <a:xfrm flipV="1">
+            <a:off x="3666453" y="5651764"/>
+            <a:ext cx="547200" cy="365476"/>
+          </a:xfrm>
+          <a:prstGeom prst="line">
+            <a:avLst/>
+          </a:prstGeom>
+        </p:spPr>
+        <p:style>
+          <a:lnRef idx="1">
+            <a:schemeClr val="accent1"/>
+          </a:lnRef>
+          <a:fillRef idx="0">
+            <a:schemeClr val="accent1"/>
+          </a:fillRef>
+          <a:effectRef idx="0">
+            <a:schemeClr val="accent1"/>
+          </a:effectRef>
+          <a:fontRef idx="minor">
+            <a:schemeClr val="tx1"/>
+          </a:fontRef>
+        </p:style>
+      </p:cxnSp>
+      <p:cxnSp>
+        <p:nvCxnSpPr>
+          <p:cNvPr id="218" name="Straight Connector 217">
+            <a:extLst>
+              <a:ext uri="{FF2B5EF4-FFF2-40B4-BE49-F238E27FC236}">
+                <a16:creationId xmlns:a16="http://schemas.microsoft.com/office/drawing/2014/main" id="{EB3432BE-A9F1-47C6-8107-103963F38516}"/>
+              </a:ext>
+            </a:extLst>
+          </p:cNvPr>
+          <p:cNvCxnSpPr>
+            <a:cxnSpLocks/>
+            <a:stCxn id="208" idx="2"/>
+          </p:cNvCxnSpPr>
+          <p:nvPr/>
+        </p:nvCxnSpPr>
+        <p:spPr>
+          <a:xfrm>
+            <a:off x="4743776" y="4777963"/>
+            <a:ext cx="58111" cy="419434"/>
+          </a:xfrm>
+          <a:prstGeom prst="line">
+            <a:avLst/>
+          </a:prstGeom>
+        </p:spPr>
+        <p:style>
+          <a:lnRef idx="1">
+            <a:schemeClr val="accent1"/>
+          </a:lnRef>
+          <a:fillRef idx="0">
+            <a:schemeClr val="accent1"/>
+          </a:fillRef>
+          <a:effectRef idx="0">
+            <a:schemeClr val="accent1"/>
+          </a:effectRef>
+          <a:fontRef idx="minor">
+            <a:schemeClr val="tx1"/>
+          </a:fontRef>
+        </p:style>
+      </p:cxnSp>
+      <p:sp>
+        <p:nvSpPr>
+          <p:cNvPr id="221" name="Rectangle 220">
+            <a:extLst>
+              <a:ext uri="{FF2B5EF4-FFF2-40B4-BE49-F238E27FC236}">
+                <a16:creationId xmlns:a16="http://schemas.microsoft.com/office/drawing/2014/main" id="{74723E75-77D5-43B0-A873-24FFCB65175F}"/>
+              </a:ext>
+            </a:extLst>
+          </p:cNvPr>
+          <p:cNvSpPr/>
+          <p:nvPr/>
+        </p:nvSpPr>
+        <p:spPr>
+          <a:xfrm>
+            <a:off x="8490849" y="4964605"/>
+            <a:ext cx="1501422" cy="428978"/>
+          </a:xfrm>
+          <a:prstGeom prst="rect">
+            <a:avLst/>
+          </a:prstGeom>
+          <a:solidFill>
+            <a:schemeClr val="bg1"/>
+          </a:solidFill>
+        </p:spPr>
+        <p:style>
+          <a:lnRef idx="2">
+            <a:schemeClr val="accent1">
+              <a:shade val="50000"/>
+            </a:schemeClr>
+          </a:lnRef>
+          <a:fillRef idx="1">
+            <a:schemeClr val="accent1"/>
+          </a:fillRef>
+          <a:effectRef idx="0">
+            <a:schemeClr val="accent1"/>
+          </a:effectRef>
+          <a:fontRef idx="minor">
+            <a:schemeClr val="lt1"/>
+          </a:fontRef>
+        </p:style>
+        <p:txBody>
+          <a:bodyPr rtlCol="0" anchor="ctr"/>
+          <a:lstStyle/>
+          <a:p>
+            <a:pPr algn="ctr"/>
+            <a:r>
+              <a:rPr lang="en-IN" dirty="0">
+                <a:solidFill>
+                  <a:schemeClr val="tx1"/>
+                </a:solidFill>
+              </a:rPr>
+              <a:t>course</a:t>
+            </a:r>
+          </a:p>
+        </p:txBody>
+      </p:sp>
+      <p:sp>
+        <p:nvSpPr>
+          <p:cNvPr id="222" name="Oval 221">
+            <a:extLst>
+              <a:ext uri="{FF2B5EF4-FFF2-40B4-BE49-F238E27FC236}">
+                <a16:creationId xmlns:a16="http://schemas.microsoft.com/office/drawing/2014/main" id="{9DCBC364-4A6A-4C95-BA18-6E97C1B70D55}"/>
+              </a:ext>
+            </a:extLst>
+          </p:cNvPr>
+          <p:cNvSpPr/>
+          <p:nvPr/>
+        </p:nvSpPr>
+        <p:spPr>
+          <a:xfrm>
+            <a:off x="9194800" y="4208191"/>
+            <a:ext cx="1309511" cy="338667"/>
+          </a:xfrm>
+          <a:prstGeom prst="ellipse">
+            <a:avLst/>
+          </a:prstGeom>
+          <a:solidFill>
+            <a:schemeClr val="bg1"/>
+          </a:solidFill>
+        </p:spPr>
+        <p:style>
+          <a:lnRef idx="2">
+            <a:schemeClr val="accent1">
+              <a:shade val="50000"/>
+            </a:schemeClr>
+          </a:lnRef>
+          <a:fillRef idx="1">
+            <a:schemeClr val="accent1"/>
+          </a:fillRef>
+          <a:effectRef idx="0">
+            <a:schemeClr val="accent1"/>
+          </a:effectRef>
+          <a:fontRef idx="minor">
+            <a:schemeClr val="lt1"/>
+          </a:fontRef>
+        </p:style>
+        <p:txBody>
+          <a:bodyPr rtlCol="0" anchor="ctr"/>
+          <a:lstStyle/>
+          <a:p>
+            <a:pPr algn="ctr"/>
+            <a:r>
+              <a:rPr lang="en-IN" dirty="0">
+                <a:solidFill>
+                  <a:schemeClr val="tx1"/>
+                </a:solidFill>
+              </a:rPr>
+              <a:t>c_name</a:t>
+            </a:r>
+          </a:p>
+        </p:txBody>
+      </p:sp>
+      <p:sp>
+        <p:nvSpPr>
+          <p:cNvPr id="223" name="Oval 222">
+            <a:extLst>
+              <a:ext uri="{FF2B5EF4-FFF2-40B4-BE49-F238E27FC236}">
+                <a16:creationId xmlns:a16="http://schemas.microsoft.com/office/drawing/2014/main" id="{F4C68A03-D705-437C-A083-C83B9353CA70}"/>
+              </a:ext>
+            </a:extLst>
+          </p:cNvPr>
+          <p:cNvSpPr/>
+          <p:nvPr/>
+        </p:nvSpPr>
+        <p:spPr>
+          <a:xfrm>
+            <a:off x="8831683" y="5826129"/>
+            <a:ext cx="1160587" cy="338667"/>
+          </a:xfrm>
+          <a:prstGeom prst="ellipse">
+            <a:avLst/>
+          </a:prstGeom>
+          <a:solidFill>
+            <a:schemeClr val="bg1"/>
+          </a:solidFill>
+        </p:spPr>
+        <p:style>
+          <a:lnRef idx="2">
+            <a:schemeClr val="accent1">
+              <a:shade val="50000"/>
+            </a:schemeClr>
+          </a:lnRef>
+          <a:fillRef idx="1">
+            <a:schemeClr val="accent1"/>
+          </a:fillRef>
+          <a:effectRef idx="0">
+            <a:schemeClr val="accent1"/>
+          </a:effectRef>
+          <a:fontRef idx="minor">
+            <a:schemeClr val="lt1"/>
+          </a:fontRef>
+        </p:style>
+        <p:txBody>
+          <a:bodyPr rtlCol="0" anchor="ctr"/>
+          <a:lstStyle/>
+          <a:p>
+            <a:pPr algn="ctr"/>
+            <a:r>
+              <a:rPr lang="en-IN" dirty="0">
+                <a:solidFill>
+                  <a:schemeClr val="tx1"/>
+                </a:solidFill>
+              </a:rPr>
+              <a:t>status</a:t>
+            </a:r>
+          </a:p>
+        </p:txBody>
+      </p:sp>
+      <p:cxnSp>
+        <p:nvCxnSpPr>
+          <p:cNvPr id="224" name="Straight Connector 223">
+            <a:extLst>
+              <a:ext uri="{FF2B5EF4-FFF2-40B4-BE49-F238E27FC236}">
+                <a16:creationId xmlns:a16="http://schemas.microsoft.com/office/drawing/2014/main" id="{330BFBA6-8346-4B39-B675-92F213173AEC}"/>
+              </a:ext>
+            </a:extLst>
+          </p:cNvPr>
+          <p:cNvCxnSpPr>
+            <a:cxnSpLocks/>
+            <a:stCxn id="222" idx="4"/>
+          </p:cNvCxnSpPr>
+          <p:nvPr/>
+        </p:nvCxnSpPr>
+        <p:spPr>
+          <a:xfrm flipH="1">
+            <a:off x="9688274" y="4546858"/>
+            <a:ext cx="161282" cy="429129"/>
+          </a:xfrm>
+          <a:prstGeom prst="line">
+            <a:avLst/>
+          </a:prstGeom>
+        </p:spPr>
+        <p:style>
+          <a:lnRef idx="1">
+            <a:schemeClr val="accent1"/>
+          </a:lnRef>
+          <a:fillRef idx="0">
+            <a:schemeClr val="accent1"/>
+          </a:fillRef>
+          <a:effectRef idx="0">
+            <a:schemeClr val="accent1"/>
+          </a:effectRef>
+          <a:fontRef idx="minor">
+            <a:schemeClr val="tx1"/>
+          </a:fontRef>
+        </p:style>
+      </p:cxnSp>
+      <p:cxnSp>
+        <p:nvCxnSpPr>
+          <p:cNvPr id="225" name="Straight Connector 224">
+            <a:extLst>
+              <a:ext uri="{FF2B5EF4-FFF2-40B4-BE49-F238E27FC236}">
+                <a16:creationId xmlns:a16="http://schemas.microsoft.com/office/drawing/2014/main" id="{4A7AD92E-4E09-40A3-9262-D6A9919E40AF}"/>
+              </a:ext>
+            </a:extLst>
+          </p:cNvPr>
+          <p:cNvCxnSpPr>
+            <a:cxnSpLocks/>
+            <a:stCxn id="221" idx="2"/>
+            <a:endCxn id="223" idx="0"/>
+          </p:cNvCxnSpPr>
+          <p:nvPr/>
+        </p:nvCxnSpPr>
+        <p:spPr>
+          <a:xfrm>
+            <a:off x="9241560" y="5393583"/>
+            <a:ext cx="170417" cy="432546"/>
+          </a:xfrm>
+          <a:prstGeom prst="line">
+            <a:avLst/>
+          </a:prstGeom>
+        </p:spPr>
+        <p:style>
+          <a:lnRef idx="1">
+            <a:schemeClr val="accent1"/>
+          </a:lnRef>
+          <a:fillRef idx="0">
+            <a:schemeClr val="accent1"/>
+          </a:fillRef>
+          <a:effectRef idx="0">
+            <a:schemeClr val="accent1"/>
+          </a:effectRef>
+          <a:fontRef idx="minor">
+            <a:schemeClr val="tx1"/>
+          </a:fontRef>
+        </p:style>
+      </p:cxnSp>
+      <p:sp>
+        <p:nvSpPr>
+          <p:cNvPr id="226" name="Oval 225">
+            <a:extLst>
+              <a:ext uri="{FF2B5EF4-FFF2-40B4-BE49-F238E27FC236}">
+                <a16:creationId xmlns:a16="http://schemas.microsoft.com/office/drawing/2014/main" id="{26DABD92-D4EB-4CE0-9B32-EFD6DBF2008E}"/>
+              </a:ext>
+            </a:extLst>
+          </p:cNvPr>
+          <p:cNvSpPr/>
+          <p:nvPr/>
+        </p:nvSpPr>
+        <p:spPr>
+          <a:xfrm>
+            <a:off x="10278533" y="4603073"/>
+            <a:ext cx="1501422" cy="338667"/>
+          </a:xfrm>
+          <a:prstGeom prst="ellipse">
+            <a:avLst/>
+          </a:prstGeom>
+          <a:solidFill>
+            <a:schemeClr val="bg1"/>
+          </a:solidFill>
+        </p:spPr>
+        <p:style>
+          <a:lnRef idx="2">
+            <a:schemeClr val="accent1">
+              <a:shade val="50000"/>
+            </a:schemeClr>
+          </a:lnRef>
+          <a:fillRef idx="1">
+            <a:schemeClr val="accent1"/>
+          </a:fillRef>
+          <a:effectRef idx="0">
+            <a:schemeClr val="accent1"/>
+          </a:effectRef>
+          <a:fontRef idx="minor">
+            <a:schemeClr val="lt1"/>
+          </a:fontRef>
+        </p:style>
+        <p:txBody>
+          <a:bodyPr rtlCol="0" anchor="ctr"/>
+          <a:lstStyle/>
+          <a:p>
+            <a:pPr algn="ctr"/>
+            <a:r>
+              <a:rPr lang="en-IN" dirty="0">
+                <a:solidFill>
+                  <a:schemeClr val="tx1"/>
+                </a:solidFill>
+              </a:rPr>
+              <a:t>c_fees</a:t>
+            </a:r>
+          </a:p>
+        </p:txBody>
+      </p:sp>
+      <p:cxnSp>
+        <p:nvCxnSpPr>
+          <p:cNvPr id="227" name="Straight Connector 226">
+            <a:extLst>
+              <a:ext uri="{FF2B5EF4-FFF2-40B4-BE49-F238E27FC236}">
+                <a16:creationId xmlns:a16="http://schemas.microsoft.com/office/drawing/2014/main" id="{20644ED0-F080-44D2-B205-4538AA8F3F42}"/>
+              </a:ext>
+            </a:extLst>
+          </p:cNvPr>
+          <p:cNvCxnSpPr>
+            <a:cxnSpLocks/>
+            <a:stCxn id="226" idx="3"/>
+            <a:endCxn id="221" idx="3"/>
+          </p:cNvCxnSpPr>
+          <p:nvPr/>
+        </p:nvCxnSpPr>
+        <p:spPr>
+          <a:xfrm flipH="1">
+            <a:off x="9992271" y="4892143"/>
+            <a:ext cx="506140" cy="286951"/>
+          </a:xfrm>
+          <a:prstGeom prst="line">
+            <a:avLst/>
+          </a:prstGeom>
+        </p:spPr>
+        <p:style>
+          <a:lnRef idx="1">
+            <a:schemeClr val="accent1"/>
+          </a:lnRef>
+          <a:fillRef idx="0">
+            <a:schemeClr val="accent1"/>
+          </a:fillRef>
+          <a:effectRef idx="0">
+            <a:schemeClr val="accent1"/>
+          </a:effectRef>
+          <a:fontRef idx="minor">
+            <a:schemeClr val="tx1"/>
+          </a:fontRef>
+        </p:style>
+      </p:cxnSp>
+      <p:sp>
+        <p:nvSpPr>
+          <p:cNvPr id="243" name="Oval 242">
+            <a:extLst>
+              <a:ext uri="{FF2B5EF4-FFF2-40B4-BE49-F238E27FC236}">
+                <a16:creationId xmlns:a16="http://schemas.microsoft.com/office/drawing/2014/main" id="{609A243B-4B00-42BA-8159-4DDE28D35462}"/>
+              </a:ext>
+            </a:extLst>
+          </p:cNvPr>
+          <p:cNvSpPr/>
+          <p:nvPr/>
+        </p:nvSpPr>
+        <p:spPr>
+          <a:xfrm>
+            <a:off x="7976621" y="4032783"/>
             <a:ext cx="1309511" cy="338667"/>
           </a:xfrm>
           <a:prstGeom prst="ellipse">
@@ -4530,12 +6292,89 @@
           </a:p>
         </p:txBody>
       </p:sp>
-      <p:sp>
-        <p:nvSpPr>
-          <p:cNvPr id="87" name="Oval 86">
-            <a:extLst>
-              <a:ext uri="{FF2B5EF4-FFF2-40B4-BE49-F238E27FC236}">
-                <a16:creationId xmlns:a16="http://schemas.microsoft.com/office/drawing/2014/main" id="{0CF860C4-577A-402C-964C-EDCE1C0D3554}"/>
+      <p:cxnSp>
+        <p:nvCxnSpPr>
+          <p:cNvPr id="244" name="Straight Connector 243">
+            <a:extLst>
+              <a:ext uri="{FF2B5EF4-FFF2-40B4-BE49-F238E27FC236}">
+                <a16:creationId xmlns:a16="http://schemas.microsoft.com/office/drawing/2014/main" id="{6EA16499-BD31-4AC6-BB62-E32875EE8663}"/>
+              </a:ext>
+            </a:extLst>
+          </p:cNvPr>
+          <p:cNvCxnSpPr>
+            <a:cxnSpLocks/>
+            <a:stCxn id="243" idx="4"/>
+          </p:cNvCxnSpPr>
+          <p:nvPr/>
+        </p:nvCxnSpPr>
+        <p:spPr>
+          <a:xfrm>
+            <a:off x="8631377" y="4371450"/>
+            <a:ext cx="378924" cy="593155"/>
+          </a:xfrm>
+          <a:prstGeom prst="line">
+            <a:avLst/>
+          </a:prstGeom>
+        </p:spPr>
+        <p:style>
+          <a:lnRef idx="1">
+            <a:schemeClr val="accent1"/>
+          </a:lnRef>
+          <a:fillRef idx="0">
+            <a:schemeClr val="accent1"/>
+          </a:fillRef>
+          <a:effectRef idx="0">
+            <a:schemeClr val="accent1"/>
+          </a:effectRef>
+          <a:fontRef idx="minor">
+            <a:schemeClr val="tx1"/>
+          </a:fontRef>
+        </p:style>
+      </p:cxnSp>
+      <p:cxnSp>
+        <p:nvCxnSpPr>
+          <p:cNvPr id="249" name="Straight Connector 248">
+            <a:extLst>
+              <a:ext uri="{FF2B5EF4-FFF2-40B4-BE49-F238E27FC236}">
+                <a16:creationId xmlns:a16="http://schemas.microsoft.com/office/drawing/2014/main" id="{82D3545B-2BAB-4846-AB62-65FE8F7CA4C5}"/>
+              </a:ext>
+            </a:extLst>
+          </p:cNvPr>
+          <p:cNvCxnSpPr>
+            <a:cxnSpLocks/>
+          </p:cNvCxnSpPr>
+          <p:nvPr/>
+        </p:nvCxnSpPr>
+        <p:spPr>
+          <a:xfrm flipH="1" flipV="1">
+            <a:off x="9964837" y="5370869"/>
+            <a:ext cx="456411" cy="97295"/>
+          </a:xfrm>
+          <a:prstGeom prst="line">
+            <a:avLst/>
+          </a:prstGeom>
+        </p:spPr>
+        <p:style>
+          <a:lnRef idx="1">
+            <a:schemeClr val="accent1"/>
+          </a:lnRef>
+          <a:fillRef idx="0">
+            <a:schemeClr val="accent1"/>
+          </a:fillRef>
+          <a:effectRef idx="0">
+            <a:schemeClr val="accent1"/>
+          </a:effectRef>
+          <a:fontRef idx="minor">
+            <a:schemeClr val="tx1"/>
+          </a:fontRef>
+        </p:style>
+      </p:cxnSp>
+      <p:sp>
+        <p:nvSpPr>
+          <p:cNvPr id="251" name="Oval 250">
+            <a:extLst>
+              <a:ext uri="{FF2B5EF4-FFF2-40B4-BE49-F238E27FC236}">
+                <a16:creationId xmlns:a16="http://schemas.microsoft.com/office/drawing/2014/main" id="{683399F0-67AA-4232-A1E0-2F34C782C49D}"/>
               </a:ext>
             </a:extLst>
           </p:cNvPr>
@@ -4544,7 +6383,7 @@
         </p:nvSpPr>
         <p:spPr>
           <a:xfrm>
-            <a:off x="9608759" y="904175"/>
+            <a:off x="10388985" y="5296373"/>
             <a:ext cx="1309511" cy="338667"/>
           </a:xfrm>
           <a:prstGeom prst="ellipse">
@@ -4576,1841 +6415,7 @@
           <a:p>
             <a:pPr algn="ctr"/>
             <a:r>
-              <a:rPr lang="en-IN" dirty="0">
-                <a:solidFill>
-                  <a:schemeClr val="tx1"/>
-                </a:solidFill>
-              </a:rPr>
-              <a:t>name</a:t>
-            </a:r>
-          </a:p>
-        </p:txBody>
-      </p:sp>
-      <p:sp>
-        <p:nvSpPr>
-          <p:cNvPr id="88" name="Oval 87">
-            <a:extLst>
-              <a:ext uri="{FF2B5EF4-FFF2-40B4-BE49-F238E27FC236}">
-                <a16:creationId xmlns:a16="http://schemas.microsoft.com/office/drawing/2014/main" id="{14880473-F9C8-4CEA-BED8-FBF928DE4C65}"/>
-              </a:ext>
-            </a:extLst>
-          </p:cNvPr>
-          <p:cNvSpPr/>
-          <p:nvPr/>
-        </p:nvSpPr>
-        <p:spPr>
-          <a:xfrm>
-            <a:off x="9759092" y="2168936"/>
-            <a:ext cx="1309511" cy="338667"/>
-          </a:xfrm>
-          <a:prstGeom prst="ellipse">
-            <a:avLst/>
-          </a:prstGeom>
-          <a:solidFill>
-            <a:schemeClr val="bg1"/>
-          </a:solidFill>
-        </p:spPr>
-        <p:style>
-          <a:lnRef idx="2">
-            <a:schemeClr val="accent1">
-              <a:shade val="50000"/>
-            </a:schemeClr>
-          </a:lnRef>
-          <a:fillRef idx="1">
-            <a:schemeClr val="accent1"/>
-          </a:fillRef>
-          <a:effectRef idx="0">
-            <a:schemeClr val="accent1"/>
-          </a:effectRef>
-          <a:fontRef idx="minor">
-            <a:schemeClr val="lt1"/>
-          </a:fontRef>
-        </p:style>
-        <p:txBody>
-          <a:bodyPr rtlCol="0" anchor="ctr"/>
-          <a:lstStyle/>
-          <a:p>
-            <a:pPr algn="ctr"/>
-            <a:r>
-              <a:rPr lang="en-IN" dirty="0">
-                <a:solidFill>
-                  <a:schemeClr val="tx1"/>
-                </a:solidFill>
-              </a:rPr>
-              <a:t>msg</a:t>
-            </a:r>
-          </a:p>
-        </p:txBody>
-      </p:sp>
-      <p:sp>
-        <p:nvSpPr>
-          <p:cNvPr id="89" name="Oval 88">
-            <a:extLst>
-              <a:ext uri="{FF2B5EF4-FFF2-40B4-BE49-F238E27FC236}">
-                <a16:creationId xmlns:a16="http://schemas.microsoft.com/office/drawing/2014/main" id="{4F9AA692-7542-483D-B61F-90270B3A227F}"/>
-              </a:ext>
-            </a:extLst>
-          </p:cNvPr>
-          <p:cNvSpPr/>
-          <p:nvPr/>
-        </p:nvSpPr>
-        <p:spPr>
-          <a:xfrm>
-            <a:off x="9773931" y="1358542"/>
-            <a:ext cx="1309511" cy="338667"/>
-          </a:xfrm>
-          <a:prstGeom prst="ellipse">
-            <a:avLst/>
-          </a:prstGeom>
-          <a:solidFill>
-            <a:schemeClr val="bg1"/>
-          </a:solidFill>
-        </p:spPr>
-        <p:style>
-          <a:lnRef idx="2">
-            <a:schemeClr val="accent1">
-              <a:shade val="50000"/>
-            </a:schemeClr>
-          </a:lnRef>
-          <a:fillRef idx="1">
-            <a:schemeClr val="accent1"/>
-          </a:fillRef>
-          <a:effectRef idx="0">
-            <a:schemeClr val="accent1"/>
-          </a:effectRef>
-          <a:fontRef idx="minor">
-            <a:schemeClr val="lt1"/>
-          </a:fontRef>
-        </p:style>
-        <p:txBody>
-          <a:bodyPr rtlCol="0" anchor="ctr"/>
-          <a:lstStyle/>
-          <a:p>
-            <a:pPr algn="ctr"/>
-            <a:r>
-              <a:rPr lang="en-IN" dirty="0">
-                <a:solidFill>
-                  <a:schemeClr val="tx1"/>
-                </a:solidFill>
-              </a:rPr>
-              <a:t>email</a:t>
-            </a:r>
-          </a:p>
-        </p:txBody>
-      </p:sp>
-      <p:sp>
-        <p:nvSpPr>
-          <p:cNvPr id="90" name="Oval 89">
-            <a:extLst>
-              <a:ext uri="{FF2B5EF4-FFF2-40B4-BE49-F238E27FC236}">
-                <a16:creationId xmlns:a16="http://schemas.microsoft.com/office/drawing/2014/main" id="{32C7B42F-9193-4FFB-A9E7-7C103A0452F6}"/>
-              </a:ext>
-            </a:extLst>
-          </p:cNvPr>
-          <p:cNvSpPr/>
-          <p:nvPr/>
-        </p:nvSpPr>
-        <p:spPr>
-          <a:xfrm>
-            <a:off x="9954543" y="1657767"/>
-            <a:ext cx="1309511" cy="338667"/>
-          </a:xfrm>
-          <a:prstGeom prst="ellipse">
-            <a:avLst/>
-          </a:prstGeom>
-          <a:solidFill>
-            <a:schemeClr val="bg1"/>
-          </a:solidFill>
-        </p:spPr>
-        <p:style>
-          <a:lnRef idx="2">
-            <a:schemeClr val="accent1">
-              <a:shade val="50000"/>
-            </a:schemeClr>
-          </a:lnRef>
-          <a:fillRef idx="1">
-            <a:schemeClr val="accent1"/>
-          </a:fillRef>
-          <a:effectRef idx="0">
-            <a:schemeClr val="accent1"/>
-          </a:effectRef>
-          <a:fontRef idx="minor">
-            <a:schemeClr val="lt1"/>
-          </a:fontRef>
-        </p:style>
-        <p:txBody>
-          <a:bodyPr rtlCol="0" anchor="ctr"/>
-          <a:lstStyle/>
-          <a:p>
-            <a:pPr algn="ctr"/>
-            <a:r>
-              <a:rPr lang="en-IN" dirty="0">
-                <a:solidFill>
-                  <a:schemeClr val="tx1"/>
-                </a:solidFill>
-              </a:rPr>
-              <a:t>phn_no</a:t>
-            </a:r>
-          </a:p>
-        </p:txBody>
-      </p:sp>
-      <p:cxnSp>
-        <p:nvCxnSpPr>
-          <p:cNvPr id="96" name="Straight Connector 95">
-            <a:extLst>
-              <a:ext uri="{FF2B5EF4-FFF2-40B4-BE49-F238E27FC236}">
-                <a16:creationId xmlns:a16="http://schemas.microsoft.com/office/drawing/2014/main" id="{69D5569A-0CAE-47AC-95E8-8CD29BAA9E6B}"/>
-              </a:ext>
-            </a:extLst>
-          </p:cNvPr>
-          <p:cNvCxnSpPr>
-            <a:cxnSpLocks/>
-            <a:endCxn id="6" idx="0"/>
-          </p:cNvCxnSpPr>
-          <p:nvPr/>
-        </p:nvCxnSpPr>
-        <p:spPr>
-          <a:xfrm>
-            <a:off x="8666761" y="1123628"/>
-            <a:ext cx="133203" cy="410630"/>
-          </a:xfrm>
-          <a:prstGeom prst="line">
-            <a:avLst/>
-          </a:prstGeom>
-        </p:spPr>
-        <p:style>
-          <a:lnRef idx="1">
-            <a:schemeClr val="accent1"/>
-          </a:lnRef>
-          <a:fillRef idx="0">
-            <a:schemeClr val="accent1"/>
-          </a:fillRef>
-          <a:effectRef idx="0">
-            <a:schemeClr val="accent1"/>
-          </a:effectRef>
-          <a:fontRef idx="minor">
-            <a:schemeClr val="tx1"/>
-          </a:fontRef>
-        </p:style>
-      </p:cxnSp>
-      <p:cxnSp>
-        <p:nvCxnSpPr>
-          <p:cNvPr id="98" name="Straight Connector 97">
-            <a:extLst>
-              <a:ext uri="{FF2B5EF4-FFF2-40B4-BE49-F238E27FC236}">
-                <a16:creationId xmlns:a16="http://schemas.microsoft.com/office/drawing/2014/main" id="{FD424FDB-C1FF-4727-B5B2-93F7E9AD46F0}"/>
-              </a:ext>
-            </a:extLst>
-          </p:cNvPr>
-          <p:cNvCxnSpPr>
-            <a:cxnSpLocks/>
-            <a:endCxn id="6" idx="3"/>
-          </p:cNvCxnSpPr>
-          <p:nvPr/>
-        </p:nvCxnSpPr>
-        <p:spPr>
-          <a:xfrm flipH="1">
-            <a:off x="9550675" y="1565123"/>
-            <a:ext cx="242534" cy="183624"/>
-          </a:xfrm>
-          <a:prstGeom prst="line">
-            <a:avLst/>
-          </a:prstGeom>
-        </p:spPr>
-        <p:style>
-          <a:lnRef idx="1">
-            <a:schemeClr val="accent1"/>
-          </a:lnRef>
-          <a:fillRef idx="0">
-            <a:schemeClr val="accent1"/>
-          </a:fillRef>
-          <a:effectRef idx="0">
-            <a:schemeClr val="accent1"/>
-          </a:effectRef>
-          <a:fontRef idx="minor">
-            <a:schemeClr val="tx1"/>
-          </a:fontRef>
-        </p:style>
-      </p:cxnSp>
-      <p:cxnSp>
-        <p:nvCxnSpPr>
-          <p:cNvPr id="99" name="Straight Connector 98">
-            <a:extLst>
-              <a:ext uri="{FF2B5EF4-FFF2-40B4-BE49-F238E27FC236}">
-                <a16:creationId xmlns:a16="http://schemas.microsoft.com/office/drawing/2014/main" id="{42395D14-5543-4223-81E5-F10AA0B9405A}"/>
-              </a:ext>
-            </a:extLst>
-          </p:cNvPr>
-          <p:cNvCxnSpPr>
-            <a:cxnSpLocks/>
-          </p:cNvCxnSpPr>
-          <p:nvPr/>
-        </p:nvCxnSpPr>
-        <p:spPr>
-          <a:xfrm flipH="1">
-            <a:off x="9245876" y="1203331"/>
-            <a:ext cx="403819" cy="349196"/>
-          </a:xfrm>
-          <a:prstGeom prst="line">
-            <a:avLst/>
-          </a:prstGeom>
-        </p:spPr>
-        <p:style>
-          <a:lnRef idx="1">
-            <a:schemeClr val="accent1"/>
-          </a:lnRef>
-          <a:fillRef idx="0">
-            <a:schemeClr val="accent1"/>
-          </a:fillRef>
-          <a:effectRef idx="0">
-            <a:schemeClr val="accent1"/>
-          </a:effectRef>
-          <a:fontRef idx="minor">
-            <a:schemeClr val="tx1"/>
-          </a:fontRef>
-        </p:style>
-      </p:cxnSp>
-      <p:cxnSp>
-        <p:nvCxnSpPr>
-          <p:cNvPr id="104" name="Straight Connector 103">
-            <a:extLst>
-              <a:ext uri="{FF2B5EF4-FFF2-40B4-BE49-F238E27FC236}">
-                <a16:creationId xmlns:a16="http://schemas.microsoft.com/office/drawing/2014/main" id="{5EA3A3A8-208F-443B-9FFB-DF8C7C8E42FD}"/>
-              </a:ext>
-            </a:extLst>
-          </p:cNvPr>
-          <p:cNvCxnSpPr>
-            <a:cxnSpLocks/>
-          </p:cNvCxnSpPr>
-          <p:nvPr/>
-        </p:nvCxnSpPr>
-        <p:spPr>
-          <a:xfrm flipH="1">
-            <a:off x="9550675" y="1901503"/>
-            <a:ext cx="416835" cy="36033"/>
-          </a:xfrm>
-          <a:prstGeom prst="line">
-            <a:avLst/>
-          </a:prstGeom>
-        </p:spPr>
-        <p:style>
-          <a:lnRef idx="1">
-            <a:schemeClr val="accent1"/>
-          </a:lnRef>
-          <a:fillRef idx="0">
-            <a:schemeClr val="accent1"/>
-          </a:fillRef>
-          <a:effectRef idx="0">
-            <a:schemeClr val="accent1"/>
-          </a:effectRef>
-          <a:fontRef idx="minor">
-            <a:schemeClr val="tx1"/>
-          </a:fontRef>
-        </p:style>
-      </p:cxnSp>
-      <p:cxnSp>
-        <p:nvCxnSpPr>
-          <p:cNvPr id="107" name="Straight Connector 106">
-            <a:extLst>
-              <a:ext uri="{FF2B5EF4-FFF2-40B4-BE49-F238E27FC236}">
-                <a16:creationId xmlns:a16="http://schemas.microsoft.com/office/drawing/2014/main" id="{9A33FE81-1418-46D6-9EBD-8A334863E231}"/>
-              </a:ext>
-            </a:extLst>
-          </p:cNvPr>
-          <p:cNvCxnSpPr>
-            <a:cxnSpLocks/>
-          </p:cNvCxnSpPr>
-          <p:nvPr/>
-        </p:nvCxnSpPr>
-        <p:spPr>
-          <a:xfrm flipH="1" flipV="1">
-            <a:off x="9245877" y="1963237"/>
-            <a:ext cx="586272" cy="282444"/>
-          </a:xfrm>
-          <a:prstGeom prst="line">
-            <a:avLst/>
-          </a:prstGeom>
-        </p:spPr>
-        <p:style>
-          <a:lnRef idx="1">
-            <a:schemeClr val="accent1"/>
-          </a:lnRef>
-          <a:fillRef idx="0">
-            <a:schemeClr val="accent1"/>
-          </a:fillRef>
-          <a:effectRef idx="0">
-            <a:schemeClr val="accent1"/>
-          </a:effectRef>
-          <a:fontRef idx="minor">
-            <a:schemeClr val="tx1"/>
-          </a:fontRef>
-        </p:style>
-      </p:cxnSp>
-      <p:cxnSp>
-        <p:nvCxnSpPr>
-          <p:cNvPr id="122" name="Straight Connector 121">
-            <a:extLst>
-              <a:ext uri="{FF2B5EF4-FFF2-40B4-BE49-F238E27FC236}">
-                <a16:creationId xmlns:a16="http://schemas.microsoft.com/office/drawing/2014/main" id="{F3851897-C6E3-4A99-A84F-C1951E04A028}"/>
-              </a:ext>
-            </a:extLst>
-          </p:cNvPr>
-          <p:cNvCxnSpPr>
-            <a:cxnSpLocks/>
-            <a:stCxn id="18" idx="3"/>
-          </p:cNvCxnSpPr>
-          <p:nvPr/>
-        </p:nvCxnSpPr>
-        <p:spPr>
-          <a:xfrm flipH="1">
-            <a:off x="2558725" y="783566"/>
-            <a:ext cx="236080" cy="829182"/>
-          </a:xfrm>
-          <a:prstGeom prst="line">
-            <a:avLst/>
-          </a:prstGeom>
-        </p:spPr>
-        <p:style>
-          <a:lnRef idx="1">
-            <a:schemeClr val="accent1"/>
-          </a:lnRef>
-          <a:fillRef idx="0">
-            <a:schemeClr val="accent1"/>
-          </a:fillRef>
-          <a:effectRef idx="0">
-            <a:schemeClr val="accent1"/>
-          </a:effectRef>
-          <a:fontRef idx="minor">
-            <a:schemeClr val="tx1"/>
-          </a:fontRef>
-        </p:style>
-      </p:cxnSp>
-      <p:sp>
-        <p:nvSpPr>
-          <p:cNvPr id="140" name="Flowchart: Decision 139">
-            <a:extLst>
-              <a:ext uri="{FF2B5EF4-FFF2-40B4-BE49-F238E27FC236}">
-                <a16:creationId xmlns:a16="http://schemas.microsoft.com/office/drawing/2014/main" id="{7AC7E297-CDA3-4A18-BF1B-0F0082D95C9D}"/>
-              </a:ext>
-            </a:extLst>
-          </p:cNvPr>
-          <p:cNvSpPr/>
-          <p:nvPr/>
-        </p:nvSpPr>
-        <p:spPr>
-          <a:xfrm>
-            <a:off x="1633339" y="2422385"/>
-            <a:ext cx="1236335" cy="673112"/>
-          </a:xfrm>
-          <a:prstGeom prst="flowChartDecision">
-            <a:avLst/>
-          </a:prstGeom>
-        </p:spPr>
-        <p:style>
-          <a:lnRef idx="2">
-            <a:schemeClr val="accent1">
-              <a:shade val="50000"/>
-            </a:schemeClr>
-          </a:lnRef>
-          <a:fillRef idx="1">
-            <a:schemeClr val="accent1"/>
-          </a:fillRef>
-          <a:effectRef idx="0">
-            <a:schemeClr val="accent1"/>
-          </a:effectRef>
-          <a:fontRef idx="minor">
-            <a:schemeClr val="lt1"/>
-          </a:fontRef>
-        </p:style>
-        <p:txBody>
-          <a:bodyPr rtlCol="0" anchor="ctr"/>
-          <a:lstStyle/>
-          <a:p>
-            <a:pPr algn="ctr"/>
-            <a:r>
-              <a:rPr lang="en-IN" dirty="0"/>
-              <a:t>add</a:t>
-            </a:r>
-          </a:p>
-        </p:txBody>
-      </p:sp>
-      <p:sp>
-        <p:nvSpPr>
-          <p:cNvPr id="141" name="Flowchart: Decision 140">
-            <a:extLst>
-              <a:ext uri="{FF2B5EF4-FFF2-40B4-BE49-F238E27FC236}">
-                <a16:creationId xmlns:a16="http://schemas.microsoft.com/office/drawing/2014/main" id="{4B67333C-D01B-4D57-93AE-E8F9F68E5C93}"/>
-              </a:ext>
-            </a:extLst>
-          </p:cNvPr>
-          <p:cNvSpPr/>
-          <p:nvPr/>
-        </p:nvSpPr>
-        <p:spPr>
-          <a:xfrm>
-            <a:off x="5080353" y="1516157"/>
-            <a:ext cx="1276059" cy="673112"/>
-          </a:xfrm>
-          <a:prstGeom prst="flowChartDecision">
-            <a:avLst/>
-          </a:prstGeom>
-        </p:spPr>
-        <p:style>
-          <a:lnRef idx="2">
-            <a:schemeClr val="accent1">
-              <a:shade val="50000"/>
-            </a:schemeClr>
-          </a:lnRef>
-          <a:fillRef idx="1">
-            <a:schemeClr val="accent1"/>
-          </a:fillRef>
-          <a:effectRef idx="0">
-            <a:schemeClr val="accent1"/>
-          </a:effectRef>
-          <a:fontRef idx="minor">
-            <a:schemeClr val="lt1"/>
-          </a:fontRef>
-        </p:style>
-        <p:txBody>
-          <a:bodyPr rtlCol="0" anchor="ctr"/>
-          <a:lstStyle/>
-          <a:p>
-            <a:pPr algn="ctr"/>
-            <a:r>
-              <a:rPr lang="en-IN" dirty="0"/>
-              <a:t>uses</a:t>
-            </a:r>
-          </a:p>
-        </p:txBody>
-      </p:sp>
-      <p:cxnSp>
-        <p:nvCxnSpPr>
-          <p:cNvPr id="144" name="Straight Connector 143">
-            <a:extLst>
-              <a:ext uri="{FF2B5EF4-FFF2-40B4-BE49-F238E27FC236}">
-                <a16:creationId xmlns:a16="http://schemas.microsoft.com/office/drawing/2014/main" id="{2CAEE512-802B-4252-BF0C-5FCEAF1E9B98}"/>
-              </a:ext>
-            </a:extLst>
-          </p:cNvPr>
-          <p:cNvCxnSpPr>
-            <a:cxnSpLocks/>
-            <a:stCxn id="140" idx="2"/>
-            <a:endCxn id="7" idx="0"/>
-          </p:cNvCxnSpPr>
-          <p:nvPr/>
-        </p:nvCxnSpPr>
-        <p:spPr>
-          <a:xfrm flipH="1">
-            <a:off x="2107994" y="3095497"/>
-            <a:ext cx="143513" cy="1218641"/>
-          </a:xfrm>
-          <a:prstGeom prst="line">
-            <a:avLst/>
-          </a:prstGeom>
-        </p:spPr>
-        <p:style>
-          <a:lnRef idx="1">
-            <a:schemeClr val="accent1"/>
-          </a:lnRef>
-          <a:fillRef idx="0">
-            <a:schemeClr val="accent1"/>
-          </a:fillRef>
-          <a:effectRef idx="0">
-            <a:schemeClr val="accent1"/>
-          </a:effectRef>
-          <a:fontRef idx="minor">
-            <a:schemeClr val="tx1"/>
-          </a:fontRef>
-        </p:style>
-      </p:cxnSp>
-      <p:cxnSp>
-        <p:nvCxnSpPr>
-          <p:cNvPr id="148" name="Straight Connector 147">
-            <a:extLst>
-              <a:ext uri="{FF2B5EF4-FFF2-40B4-BE49-F238E27FC236}">
-                <a16:creationId xmlns:a16="http://schemas.microsoft.com/office/drawing/2014/main" id="{A6D98A81-300B-44A8-91DD-25E71481CCD4}"/>
-              </a:ext>
-            </a:extLst>
-          </p:cNvPr>
-          <p:cNvCxnSpPr>
-            <a:cxnSpLocks/>
-            <a:endCxn id="140" idx="0"/>
-          </p:cNvCxnSpPr>
-          <p:nvPr/>
-        </p:nvCxnSpPr>
-        <p:spPr>
-          <a:xfrm flipH="1">
-            <a:off x="2251507" y="2057143"/>
-            <a:ext cx="105050" cy="365242"/>
-          </a:xfrm>
-          <a:prstGeom prst="line">
-            <a:avLst/>
-          </a:prstGeom>
-        </p:spPr>
-        <p:style>
-          <a:lnRef idx="1">
-            <a:schemeClr val="accent1"/>
-          </a:lnRef>
-          <a:fillRef idx="0">
-            <a:schemeClr val="accent1"/>
-          </a:fillRef>
-          <a:effectRef idx="0">
-            <a:schemeClr val="accent1"/>
-          </a:effectRef>
-          <a:fontRef idx="minor">
-            <a:schemeClr val="tx1"/>
-          </a:fontRef>
-        </p:style>
-      </p:cxnSp>
-      <p:cxnSp>
-        <p:nvCxnSpPr>
-          <p:cNvPr id="150" name="Straight Connector 149">
-            <a:extLst>
-              <a:ext uri="{FF2B5EF4-FFF2-40B4-BE49-F238E27FC236}">
-                <a16:creationId xmlns:a16="http://schemas.microsoft.com/office/drawing/2014/main" id="{FB623541-05F3-449E-A1E7-1F1C56E9F53D}"/>
-              </a:ext>
-            </a:extLst>
-          </p:cNvPr>
-          <p:cNvCxnSpPr>
-            <a:cxnSpLocks/>
-            <a:stCxn id="5" idx="3"/>
-            <a:endCxn id="141" idx="1"/>
-          </p:cNvCxnSpPr>
-          <p:nvPr/>
-        </p:nvCxnSpPr>
-        <p:spPr>
-          <a:xfrm>
-            <a:off x="3251200" y="1834444"/>
-            <a:ext cx="1829153" cy="18269"/>
-          </a:xfrm>
-          <a:prstGeom prst="line">
-            <a:avLst/>
-          </a:prstGeom>
-        </p:spPr>
-        <p:style>
-          <a:lnRef idx="1">
-            <a:schemeClr val="accent1"/>
-          </a:lnRef>
-          <a:fillRef idx="0">
-            <a:schemeClr val="accent1"/>
-          </a:fillRef>
-          <a:effectRef idx="0">
-            <a:schemeClr val="accent1"/>
-          </a:effectRef>
-          <a:fontRef idx="minor">
-            <a:schemeClr val="tx1"/>
-          </a:fontRef>
-        </p:style>
-      </p:cxnSp>
-      <p:cxnSp>
-        <p:nvCxnSpPr>
-          <p:cNvPr id="154" name="Straight Connector 153">
-            <a:extLst>
-              <a:ext uri="{FF2B5EF4-FFF2-40B4-BE49-F238E27FC236}">
-                <a16:creationId xmlns:a16="http://schemas.microsoft.com/office/drawing/2014/main" id="{C95CB51B-1C14-4FB6-B603-9A55744D3C15}"/>
-              </a:ext>
-            </a:extLst>
-          </p:cNvPr>
-          <p:cNvCxnSpPr>
-            <a:cxnSpLocks/>
-            <a:stCxn id="141" idx="3"/>
-            <a:endCxn id="6" idx="1"/>
-          </p:cNvCxnSpPr>
-          <p:nvPr/>
-        </p:nvCxnSpPr>
-        <p:spPr>
-          <a:xfrm flipV="1">
-            <a:off x="6356412" y="1748747"/>
-            <a:ext cx="1692841" cy="103966"/>
-          </a:xfrm>
-          <a:prstGeom prst="line">
-            <a:avLst/>
-          </a:prstGeom>
-        </p:spPr>
-        <p:style>
-          <a:lnRef idx="1">
-            <a:schemeClr val="accent1"/>
-          </a:lnRef>
-          <a:fillRef idx="0">
-            <a:schemeClr val="accent1"/>
-          </a:fillRef>
-          <a:effectRef idx="0">
-            <a:schemeClr val="accent1"/>
-          </a:effectRef>
-          <a:fontRef idx="minor">
-            <a:schemeClr val="tx1"/>
-          </a:fontRef>
-        </p:style>
-      </p:cxnSp>
-      <p:sp>
-        <p:nvSpPr>
-          <p:cNvPr id="162" name="TextBox 161">
-            <a:extLst>
-              <a:ext uri="{FF2B5EF4-FFF2-40B4-BE49-F238E27FC236}">
-                <a16:creationId xmlns:a16="http://schemas.microsoft.com/office/drawing/2014/main" id="{10C88D24-3762-4D7B-B2F1-FD31C72EF31B}"/>
-              </a:ext>
-            </a:extLst>
-          </p:cNvPr>
-          <p:cNvSpPr txBox="1"/>
-          <p:nvPr/>
-        </p:nvSpPr>
-        <p:spPr>
-          <a:xfrm>
-            <a:off x="2275830" y="2078756"/>
-            <a:ext cx="254000" cy="369332"/>
-          </a:xfrm>
-          <a:prstGeom prst="rect">
-            <a:avLst/>
-          </a:prstGeom>
-          <a:noFill/>
-        </p:spPr>
-        <p:txBody>
-          <a:bodyPr wrap="square" rtlCol="0">
-            <a:spAutoFit/>
-          </a:bodyPr>
-          <a:lstStyle/>
-          <a:p>
-            <a:r>
-              <a:rPr lang="en-IN" dirty="0"/>
-              <a:t>1</a:t>
-            </a:r>
-          </a:p>
-        </p:txBody>
-      </p:sp>
-      <p:sp>
-        <p:nvSpPr>
-          <p:cNvPr id="164" name="TextBox 163">
-            <a:extLst>
-              <a:ext uri="{FF2B5EF4-FFF2-40B4-BE49-F238E27FC236}">
-                <a16:creationId xmlns:a16="http://schemas.microsoft.com/office/drawing/2014/main" id="{23378908-E552-435B-B240-50EBD4CB0283}"/>
-              </a:ext>
-            </a:extLst>
-          </p:cNvPr>
-          <p:cNvSpPr txBox="1"/>
-          <p:nvPr/>
-        </p:nvSpPr>
-        <p:spPr>
-          <a:xfrm>
-            <a:off x="4264526" y="1808513"/>
-            <a:ext cx="254000" cy="369332"/>
-          </a:xfrm>
-          <a:prstGeom prst="rect">
-            <a:avLst/>
-          </a:prstGeom>
-          <a:noFill/>
-        </p:spPr>
-        <p:txBody>
-          <a:bodyPr wrap="square" rtlCol="0">
-            <a:spAutoFit/>
-          </a:bodyPr>
-          <a:lstStyle/>
-          <a:p>
-            <a:r>
-              <a:rPr lang="en-IN" dirty="0"/>
-              <a:t>1</a:t>
-            </a:r>
-          </a:p>
-        </p:txBody>
-      </p:sp>
-      <p:sp>
-        <p:nvSpPr>
-          <p:cNvPr id="165" name="TextBox 164">
-            <a:extLst>
-              <a:ext uri="{FF2B5EF4-FFF2-40B4-BE49-F238E27FC236}">
-                <a16:creationId xmlns:a16="http://schemas.microsoft.com/office/drawing/2014/main" id="{C0A4383F-7C0D-4B06-B253-DE03EFEF2BA7}"/>
-              </a:ext>
-            </a:extLst>
-          </p:cNvPr>
-          <p:cNvSpPr txBox="1"/>
-          <p:nvPr/>
-        </p:nvSpPr>
-        <p:spPr>
-          <a:xfrm>
-            <a:off x="7032746" y="1727838"/>
-            <a:ext cx="254000" cy="369332"/>
-          </a:xfrm>
-          <a:prstGeom prst="rect">
-            <a:avLst/>
-          </a:prstGeom>
-          <a:noFill/>
-        </p:spPr>
-        <p:txBody>
-          <a:bodyPr wrap="square" rtlCol="0">
-            <a:spAutoFit/>
-          </a:bodyPr>
-          <a:lstStyle/>
-          <a:p>
-            <a:r>
-              <a:rPr lang="en-IN" dirty="0"/>
-              <a:t>n</a:t>
-            </a:r>
-          </a:p>
-        </p:txBody>
-      </p:sp>
-      <p:sp>
-        <p:nvSpPr>
-          <p:cNvPr id="168" name="TextBox 167">
-            <a:extLst>
-              <a:ext uri="{FF2B5EF4-FFF2-40B4-BE49-F238E27FC236}">
-                <a16:creationId xmlns:a16="http://schemas.microsoft.com/office/drawing/2014/main" id="{3BF587D2-BE76-41E6-89D8-C6E21654960D}"/>
-              </a:ext>
-            </a:extLst>
-          </p:cNvPr>
-          <p:cNvSpPr txBox="1"/>
-          <p:nvPr/>
-        </p:nvSpPr>
-        <p:spPr>
-          <a:xfrm>
-            <a:off x="2208451" y="3572984"/>
-            <a:ext cx="254000" cy="369332"/>
-          </a:xfrm>
-          <a:prstGeom prst="rect">
-            <a:avLst/>
-          </a:prstGeom>
-          <a:noFill/>
-        </p:spPr>
-        <p:txBody>
-          <a:bodyPr wrap="square" rtlCol="0">
-            <a:spAutoFit/>
-          </a:bodyPr>
-          <a:lstStyle/>
-          <a:p>
-            <a:r>
-              <a:rPr lang="en-IN" dirty="0"/>
-              <a:t>n</a:t>
-            </a:r>
-          </a:p>
-        </p:txBody>
-      </p:sp>
-      <p:cxnSp>
-        <p:nvCxnSpPr>
-          <p:cNvPr id="170" name="Straight Connector 169">
-            <a:extLst>
-              <a:ext uri="{FF2B5EF4-FFF2-40B4-BE49-F238E27FC236}">
-                <a16:creationId xmlns:a16="http://schemas.microsoft.com/office/drawing/2014/main" id="{87EF4D5C-0EF7-482A-B4B2-84FDD42DD384}"/>
-              </a:ext>
-            </a:extLst>
-          </p:cNvPr>
-          <p:cNvCxnSpPr>
-            <a:cxnSpLocks/>
-            <a:endCxn id="7" idx="2"/>
-          </p:cNvCxnSpPr>
-          <p:nvPr/>
-        </p:nvCxnSpPr>
-        <p:spPr>
-          <a:xfrm flipH="1" flipV="1">
-            <a:off x="2107994" y="4743116"/>
-            <a:ext cx="30742" cy="737629"/>
-          </a:xfrm>
-          <a:prstGeom prst="line">
-            <a:avLst/>
-          </a:prstGeom>
-        </p:spPr>
-        <p:style>
-          <a:lnRef idx="1">
-            <a:schemeClr val="accent1"/>
-          </a:lnRef>
-          <a:fillRef idx="0">
-            <a:schemeClr val="accent1"/>
-          </a:fillRef>
-          <a:effectRef idx="0">
-            <a:schemeClr val="accent1"/>
-          </a:effectRef>
-          <a:fontRef idx="minor">
-            <a:schemeClr val="tx1"/>
-          </a:fontRef>
-        </p:style>
-      </p:cxnSp>
-      <p:sp>
-        <p:nvSpPr>
-          <p:cNvPr id="179" name="Rectangle 178">
-            <a:extLst>
-              <a:ext uri="{FF2B5EF4-FFF2-40B4-BE49-F238E27FC236}">
-                <a16:creationId xmlns:a16="http://schemas.microsoft.com/office/drawing/2014/main" id="{42890953-00E9-404A-8494-C277599564CE}"/>
-              </a:ext>
-            </a:extLst>
-          </p:cNvPr>
-          <p:cNvSpPr/>
-          <p:nvPr/>
-        </p:nvSpPr>
-        <p:spPr>
-          <a:xfrm>
-            <a:off x="4216002" y="5216748"/>
-            <a:ext cx="1501422" cy="428978"/>
-          </a:xfrm>
-          <a:prstGeom prst="rect">
-            <a:avLst/>
-          </a:prstGeom>
-          <a:solidFill>
-            <a:schemeClr val="bg1"/>
-          </a:solidFill>
-        </p:spPr>
-        <p:style>
-          <a:lnRef idx="2">
-            <a:schemeClr val="accent1">
-              <a:shade val="50000"/>
-            </a:schemeClr>
-          </a:lnRef>
-          <a:fillRef idx="1">
-            <a:schemeClr val="accent1"/>
-          </a:fillRef>
-          <a:effectRef idx="0">
-            <a:schemeClr val="accent1"/>
-          </a:effectRef>
-          <a:fontRef idx="minor">
-            <a:schemeClr val="lt1"/>
-          </a:fontRef>
-        </p:style>
-        <p:txBody>
-          <a:bodyPr rtlCol="0" anchor="ctr"/>
-          <a:lstStyle/>
-          <a:p>
-            <a:pPr algn="ctr"/>
-            <a:r>
-              <a:rPr lang="en-IN" dirty="0">
-                <a:solidFill>
-                  <a:schemeClr val="tx1"/>
-                </a:solidFill>
-              </a:rPr>
-              <a:t>admin</a:t>
-            </a:r>
-          </a:p>
-        </p:txBody>
-      </p:sp>
-      <p:sp>
-        <p:nvSpPr>
-          <p:cNvPr id="180" name="Oval 179">
-            <a:extLst>
-              <a:ext uri="{FF2B5EF4-FFF2-40B4-BE49-F238E27FC236}">
-                <a16:creationId xmlns:a16="http://schemas.microsoft.com/office/drawing/2014/main" id="{A3998830-6E39-453C-A010-D19A7C484812}"/>
-              </a:ext>
-            </a:extLst>
-          </p:cNvPr>
-          <p:cNvSpPr/>
-          <p:nvPr/>
-        </p:nvSpPr>
-        <p:spPr>
-          <a:xfrm>
-            <a:off x="5296726" y="6164796"/>
-            <a:ext cx="1309511" cy="281177"/>
-          </a:xfrm>
-          <a:prstGeom prst="ellipse">
-            <a:avLst/>
-          </a:prstGeom>
-          <a:solidFill>
-            <a:schemeClr val="bg1"/>
-          </a:solidFill>
-        </p:spPr>
-        <p:style>
-          <a:lnRef idx="2">
-            <a:schemeClr val="accent1">
-              <a:shade val="50000"/>
-            </a:schemeClr>
-          </a:lnRef>
-          <a:fillRef idx="1">
-            <a:schemeClr val="accent1"/>
-          </a:fillRef>
-          <a:effectRef idx="0">
-            <a:schemeClr val="accent1"/>
-          </a:effectRef>
-          <a:fontRef idx="minor">
-            <a:schemeClr val="lt1"/>
-          </a:fontRef>
-        </p:style>
-        <p:txBody>
-          <a:bodyPr rtlCol="0" anchor="ctr"/>
-          <a:lstStyle/>
-          <a:p>
-            <a:pPr algn="ctr"/>
-            <a:r>
-              <a:rPr lang="en-IN" dirty="0">
-                <a:solidFill>
-                  <a:schemeClr val="tx1"/>
-                </a:solidFill>
-              </a:rPr>
-              <a:t>name</a:t>
-            </a:r>
-          </a:p>
-        </p:txBody>
-      </p:sp>
-      <p:sp>
-        <p:nvSpPr>
-          <p:cNvPr id="181" name="Oval 180">
-            <a:extLst>
-              <a:ext uri="{FF2B5EF4-FFF2-40B4-BE49-F238E27FC236}">
-                <a16:creationId xmlns:a16="http://schemas.microsoft.com/office/drawing/2014/main" id="{6843FFA2-3D5A-40D6-A91E-6D19FA0A50BE}"/>
-              </a:ext>
-            </a:extLst>
-          </p:cNvPr>
-          <p:cNvSpPr/>
-          <p:nvPr/>
-        </p:nvSpPr>
-        <p:spPr>
-          <a:xfrm>
-            <a:off x="3642038" y="6280834"/>
-            <a:ext cx="1697992" cy="338667"/>
-          </a:xfrm>
-          <a:prstGeom prst="ellipse">
-            <a:avLst/>
-          </a:prstGeom>
-          <a:solidFill>
-            <a:schemeClr val="bg1"/>
-          </a:solidFill>
-        </p:spPr>
-        <p:style>
-          <a:lnRef idx="2">
-            <a:schemeClr val="accent1">
-              <a:shade val="50000"/>
-            </a:schemeClr>
-          </a:lnRef>
-          <a:fillRef idx="1">
-            <a:schemeClr val="accent1"/>
-          </a:fillRef>
-          <a:effectRef idx="0">
-            <a:schemeClr val="accent1"/>
-          </a:effectRef>
-          <a:fontRef idx="minor">
-            <a:schemeClr val="lt1"/>
-          </a:fontRef>
-        </p:style>
-        <p:txBody>
-          <a:bodyPr rtlCol="0" anchor="ctr"/>
-          <a:lstStyle/>
-          <a:p>
-            <a:pPr algn="ctr"/>
-            <a:r>
-              <a:rPr lang="en-IN" dirty="0">
-                <a:solidFill>
-                  <a:schemeClr val="tx1"/>
-                </a:solidFill>
-              </a:rPr>
-              <a:t>password</a:t>
-            </a:r>
-          </a:p>
-        </p:txBody>
-      </p:sp>
-      <p:cxnSp>
-        <p:nvCxnSpPr>
-          <p:cNvPr id="185" name="Straight Connector 184">
-            <a:extLst>
-              <a:ext uri="{FF2B5EF4-FFF2-40B4-BE49-F238E27FC236}">
-                <a16:creationId xmlns:a16="http://schemas.microsoft.com/office/drawing/2014/main" id="{CC0E5A99-300B-4D08-B3C1-DFD952B5C39A}"/>
-              </a:ext>
-            </a:extLst>
-          </p:cNvPr>
-          <p:cNvCxnSpPr>
-            <a:cxnSpLocks/>
-          </p:cNvCxnSpPr>
-          <p:nvPr/>
-        </p:nvCxnSpPr>
-        <p:spPr>
-          <a:xfrm>
-            <a:off x="5296726" y="5645726"/>
-            <a:ext cx="419364" cy="573566"/>
-          </a:xfrm>
-          <a:prstGeom prst="line">
-            <a:avLst/>
-          </a:prstGeom>
-        </p:spPr>
-        <p:style>
-          <a:lnRef idx="1">
-            <a:schemeClr val="accent1"/>
-          </a:lnRef>
-          <a:fillRef idx="0">
-            <a:schemeClr val="accent1"/>
-          </a:fillRef>
-          <a:effectRef idx="0">
-            <a:schemeClr val="accent1"/>
-          </a:effectRef>
-          <a:fontRef idx="minor">
-            <a:schemeClr val="tx1"/>
-          </a:fontRef>
-        </p:style>
-      </p:cxnSp>
-      <p:cxnSp>
-        <p:nvCxnSpPr>
-          <p:cNvPr id="187" name="Straight Connector 186">
-            <a:extLst>
-              <a:ext uri="{FF2B5EF4-FFF2-40B4-BE49-F238E27FC236}">
-                <a16:creationId xmlns:a16="http://schemas.microsoft.com/office/drawing/2014/main" id="{A3F4CA1C-5F1B-4D66-83B8-9F316FD1D48A}"/>
-              </a:ext>
-            </a:extLst>
-          </p:cNvPr>
-          <p:cNvCxnSpPr>
-            <a:cxnSpLocks/>
-            <a:endCxn id="181" idx="0"/>
-          </p:cNvCxnSpPr>
-          <p:nvPr/>
-        </p:nvCxnSpPr>
-        <p:spPr>
-          <a:xfrm flipH="1">
-            <a:off x="4491034" y="5637868"/>
-            <a:ext cx="74110" cy="642966"/>
-          </a:xfrm>
-          <a:prstGeom prst="line">
-            <a:avLst/>
-          </a:prstGeom>
-        </p:spPr>
-        <p:style>
-          <a:lnRef idx="1">
-            <a:schemeClr val="accent1"/>
-          </a:lnRef>
-          <a:fillRef idx="0">
-            <a:schemeClr val="accent1"/>
-          </a:fillRef>
-          <a:effectRef idx="0">
-            <a:schemeClr val="accent1"/>
-          </a:effectRef>
-          <a:fontRef idx="minor">
-            <a:schemeClr val="tx1"/>
-          </a:fontRef>
-        </p:style>
-      </p:cxnSp>
-      <p:sp>
-        <p:nvSpPr>
-          <p:cNvPr id="208" name="Flowchart: Decision 207">
-            <a:extLst>
-              <a:ext uri="{FF2B5EF4-FFF2-40B4-BE49-F238E27FC236}">
-                <a16:creationId xmlns:a16="http://schemas.microsoft.com/office/drawing/2014/main" id="{58D718D2-C718-4558-8D0B-81223217203F}"/>
-              </a:ext>
-            </a:extLst>
-          </p:cNvPr>
-          <p:cNvSpPr/>
-          <p:nvPr/>
-        </p:nvSpPr>
-        <p:spPr>
-          <a:xfrm>
-            <a:off x="4031301" y="4104851"/>
-            <a:ext cx="1424950" cy="673112"/>
-          </a:xfrm>
-          <a:prstGeom prst="flowChartDecision">
-            <a:avLst/>
-          </a:prstGeom>
-        </p:spPr>
-        <p:style>
-          <a:lnRef idx="2">
-            <a:schemeClr val="accent1">
-              <a:shade val="50000"/>
-            </a:schemeClr>
-          </a:lnRef>
-          <a:fillRef idx="1">
-            <a:schemeClr val="accent1"/>
-          </a:fillRef>
-          <a:effectRef idx="0">
-            <a:schemeClr val="accent1"/>
-          </a:effectRef>
-          <a:fontRef idx="minor">
-            <a:schemeClr val="lt1"/>
-          </a:fontRef>
-        </p:style>
-        <p:txBody>
-          <a:bodyPr rtlCol="0" anchor="ctr"/>
-          <a:lstStyle/>
-          <a:p>
-            <a:pPr algn="ctr"/>
-            <a:r>
-              <a:rPr lang="en-IN" dirty="0"/>
-              <a:t>view</a:t>
-            </a:r>
-          </a:p>
-        </p:txBody>
-      </p:sp>
-      <p:cxnSp>
-        <p:nvCxnSpPr>
-          <p:cNvPr id="209" name="Straight Connector 208">
-            <a:extLst>
-              <a:ext uri="{FF2B5EF4-FFF2-40B4-BE49-F238E27FC236}">
-                <a16:creationId xmlns:a16="http://schemas.microsoft.com/office/drawing/2014/main" id="{D72B26BB-9581-44E3-9B04-84CAD6212B22}"/>
-              </a:ext>
-            </a:extLst>
-          </p:cNvPr>
-          <p:cNvCxnSpPr>
-            <a:cxnSpLocks/>
-            <a:stCxn id="7" idx="3"/>
-            <a:endCxn id="208" idx="0"/>
-          </p:cNvCxnSpPr>
-          <p:nvPr/>
-        </p:nvCxnSpPr>
-        <p:spPr>
-          <a:xfrm flipV="1">
-            <a:off x="2858705" y="4104851"/>
-            <a:ext cx="1885071" cy="423776"/>
-          </a:xfrm>
-          <a:prstGeom prst="line">
-            <a:avLst/>
-          </a:prstGeom>
-        </p:spPr>
-        <p:style>
-          <a:lnRef idx="1">
-            <a:schemeClr val="accent1"/>
-          </a:lnRef>
-          <a:fillRef idx="0">
-            <a:schemeClr val="accent1"/>
-          </a:fillRef>
-          <a:effectRef idx="0">
-            <a:schemeClr val="accent1"/>
-          </a:effectRef>
-          <a:fontRef idx="minor">
-            <a:schemeClr val="tx1"/>
-          </a:fontRef>
-        </p:style>
-      </p:cxnSp>
-      <p:sp>
-        <p:nvSpPr>
-          <p:cNvPr id="213" name="Oval 212">
-            <a:extLst>
-              <a:ext uri="{FF2B5EF4-FFF2-40B4-BE49-F238E27FC236}">
-                <a16:creationId xmlns:a16="http://schemas.microsoft.com/office/drawing/2014/main" id="{A86DF87E-9402-4757-A70C-717BBF4A47B8}"/>
-              </a:ext>
-            </a:extLst>
-          </p:cNvPr>
-          <p:cNvSpPr/>
-          <p:nvPr/>
-        </p:nvSpPr>
-        <p:spPr>
-          <a:xfrm>
-            <a:off x="2754488" y="5995462"/>
-            <a:ext cx="1501422" cy="338667"/>
-          </a:xfrm>
-          <a:prstGeom prst="ellipse">
-            <a:avLst/>
-          </a:prstGeom>
-          <a:solidFill>
-            <a:schemeClr val="bg1"/>
-          </a:solidFill>
-        </p:spPr>
-        <p:style>
-          <a:lnRef idx="2">
-            <a:schemeClr val="accent1">
-              <a:shade val="50000"/>
-            </a:schemeClr>
-          </a:lnRef>
-          <a:fillRef idx="1">
-            <a:schemeClr val="accent1"/>
-          </a:fillRef>
-          <a:effectRef idx="0">
-            <a:schemeClr val="accent1"/>
-          </a:effectRef>
-          <a:fontRef idx="minor">
-            <a:schemeClr val="lt1"/>
-          </a:fontRef>
-        </p:style>
-        <p:txBody>
-          <a:bodyPr rtlCol="0" anchor="ctr"/>
-          <a:lstStyle/>
-          <a:p>
-            <a:pPr algn="ctr"/>
-            <a:r>
-              <a:rPr lang="en-IN" dirty="0">
-                <a:solidFill>
-                  <a:schemeClr val="tx1"/>
-                </a:solidFill>
-              </a:rPr>
-              <a:t>admin_id</a:t>
-            </a:r>
-          </a:p>
-        </p:txBody>
-      </p:sp>
-      <p:cxnSp>
-        <p:nvCxnSpPr>
-          <p:cNvPr id="214" name="Straight Connector 213">
-            <a:extLst>
-              <a:ext uri="{FF2B5EF4-FFF2-40B4-BE49-F238E27FC236}">
-                <a16:creationId xmlns:a16="http://schemas.microsoft.com/office/drawing/2014/main" id="{5F620E50-19BC-4ECE-AE29-0CFBD26DF4F4}"/>
-              </a:ext>
-            </a:extLst>
-          </p:cNvPr>
-          <p:cNvCxnSpPr>
-            <a:cxnSpLocks/>
-          </p:cNvCxnSpPr>
-          <p:nvPr/>
-        </p:nvCxnSpPr>
-        <p:spPr>
-          <a:xfrm flipV="1">
-            <a:off x="3666453" y="5651764"/>
-            <a:ext cx="547200" cy="365476"/>
-          </a:xfrm>
-          <a:prstGeom prst="line">
-            <a:avLst/>
-          </a:prstGeom>
-        </p:spPr>
-        <p:style>
-          <a:lnRef idx="1">
-            <a:schemeClr val="accent1"/>
-          </a:lnRef>
-          <a:fillRef idx="0">
-            <a:schemeClr val="accent1"/>
-          </a:fillRef>
-          <a:effectRef idx="0">
-            <a:schemeClr val="accent1"/>
-          </a:effectRef>
-          <a:fontRef idx="minor">
-            <a:schemeClr val="tx1"/>
-          </a:fontRef>
-        </p:style>
-      </p:cxnSp>
-      <p:cxnSp>
-        <p:nvCxnSpPr>
-          <p:cNvPr id="218" name="Straight Connector 217">
-            <a:extLst>
-              <a:ext uri="{FF2B5EF4-FFF2-40B4-BE49-F238E27FC236}">
-                <a16:creationId xmlns:a16="http://schemas.microsoft.com/office/drawing/2014/main" id="{EB3432BE-A9F1-47C6-8107-103963F38516}"/>
-              </a:ext>
-            </a:extLst>
-          </p:cNvPr>
-          <p:cNvCxnSpPr>
-            <a:cxnSpLocks/>
-            <a:stCxn id="208" idx="2"/>
-          </p:cNvCxnSpPr>
-          <p:nvPr/>
-        </p:nvCxnSpPr>
-        <p:spPr>
-          <a:xfrm>
-            <a:off x="4743776" y="4777963"/>
-            <a:ext cx="58111" cy="419434"/>
-          </a:xfrm>
-          <a:prstGeom prst="line">
-            <a:avLst/>
-          </a:prstGeom>
-        </p:spPr>
-        <p:style>
-          <a:lnRef idx="1">
-            <a:schemeClr val="accent1"/>
-          </a:lnRef>
-          <a:fillRef idx="0">
-            <a:schemeClr val="accent1"/>
-          </a:fillRef>
-          <a:effectRef idx="0">
-            <a:schemeClr val="accent1"/>
-          </a:effectRef>
-          <a:fontRef idx="minor">
-            <a:schemeClr val="tx1"/>
-          </a:fontRef>
-        </p:style>
-      </p:cxnSp>
-      <p:sp>
-        <p:nvSpPr>
-          <p:cNvPr id="221" name="Rectangle 220">
-            <a:extLst>
-              <a:ext uri="{FF2B5EF4-FFF2-40B4-BE49-F238E27FC236}">
-                <a16:creationId xmlns:a16="http://schemas.microsoft.com/office/drawing/2014/main" id="{74723E75-77D5-43B0-A873-24FFCB65175F}"/>
-              </a:ext>
-            </a:extLst>
-          </p:cNvPr>
-          <p:cNvSpPr/>
-          <p:nvPr/>
-        </p:nvSpPr>
-        <p:spPr>
-          <a:xfrm>
-            <a:off x="8490849" y="4964605"/>
-            <a:ext cx="1501422" cy="428978"/>
-          </a:xfrm>
-          <a:prstGeom prst="rect">
-            <a:avLst/>
-          </a:prstGeom>
-          <a:solidFill>
-            <a:schemeClr val="bg1"/>
-          </a:solidFill>
-        </p:spPr>
-        <p:style>
-          <a:lnRef idx="2">
-            <a:schemeClr val="accent1">
-              <a:shade val="50000"/>
-            </a:schemeClr>
-          </a:lnRef>
-          <a:fillRef idx="1">
-            <a:schemeClr val="accent1"/>
-          </a:fillRef>
-          <a:effectRef idx="0">
-            <a:schemeClr val="accent1"/>
-          </a:effectRef>
-          <a:fontRef idx="minor">
-            <a:schemeClr val="lt1"/>
-          </a:fontRef>
-        </p:style>
-        <p:txBody>
-          <a:bodyPr rtlCol="0" anchor="ctr"/>
-          <a:lstStyle/>
-          <a:p>
-            <a:pPr algn="ctr"/>
-            <a:r>
-              <a:rPr lang="en-IN" dirty="0">
-                <a:solidFill>
-                  <a:schemeClr val="tx1"/>
-                </a:solidFill>
-              </a:rPr>
-              <a:t>course</a:t>
-            </a:r>
-          </a:p>
-        </p:txBody>
-      </p:sp>
-      <p:sp>
-        <p:nvSpPr>
-          <p:cNvPr id="222" name="Oval 221">
-            <a:extLst>
-              <a:ext uri="{FF2B5EF4-FFF2-40B4-BE49-F238E27FC236}">
-                <a16:creationId xmlns:a16="http://schemas.microsoft.com/office/drawing/2014/main" id="{9DCBC364-4A6A-4C95-BA18-6E97C1B70D55}"/>
-              </a:ext>
-            </a:extLst>
-          </p:cNvPr>
-          <p:cNvSpPr/>
-          <p:nvPr/>
-        </p:nvSpPr>
-        <p:spPr>
-          <a:xfrm>
-            <a:off x="9194800" y="4208191"/>
-            <a:ext cx="1309511" cy="338667"/>
-          </a:xfrm>
-          <a:prstGeom prst="ellipse">
-            <a:avLst/>
-          </a:prstGeom>
-          <a:solidFill>
-            <a:schemeClr val="bg1"/>
-          </a:solidFill>
-        </p:spPr>
-        <p:style>
-          <a:lnRef idx="2">
-            <a:schemeClr val="accent1">
-              <a:shade val="50000"/>
-            </a:schemeClr>
-          </a:lnRef>
-          <a:fillRef idx="1">
-            <a:schemeClr val="accent1"/>
-          </a:fillRef>
-          <a:effectRef idx="0">
-            <a:schemeClr val="accent1"/>
-          </a:effectRef>
-          <a:fontRef idx="minor">
-            <a:schemeClr val="lt1"/>
-          </a:fontRef>
-        </p:style>
-        <p:txBody>
-          <a:bodyPr rtlCol="0" anchor="ctr"/>
-          <a:lstStyle/>
-          <a:p>
-            <a:pPr algn="ctr"/>
-            <a:r>
-              <a:rPr lang="en-IN" dirty="0">
-                <a:solidFill>
-                  <a:schemeClr val="tx1"/>
-                </a:solidFill>
-              </a:rPr>
-              <a:t>c_name</a:t>
-            </a:r>
-          </a:p>
-        </p:txBody>
-      </p:sp>
-      <p:sp>
-        <p:nvSpPr>
-          <p:cNvPr id="223" name="Oval 222">
-            <a:extLst>
-              <a:ext uri="{FF2B5EF4-FFF2-40B4-BE49-F238E27FC236}">
-                <a16:creationId xmlns:a16="http://schemas.microsoft.com/office/drawing/2014/main" id="{F4C68A03-D705-437C-A083-C83B9353CA70}"/>
-              </a:ext>
-            </a:extLst>
-          </p:cNvPr>
-          <p:cNvSpPr/>
-          <p:nvPr/>
-        </p:nvSpPr>
-        <p:spPr>
-          <a:xfrm>
-            <a:off x="8831683" y="5826129"/>
-            <a:ext cx="1160587" cy="338667"/>
-          </a:xfrm>
-          <a:prstGeom prst="ellipse">
-            <a:avLst/>
-          </a:prstGeom>
-          <a:solidFill>
-            <a:schemeClr val="bg1"/>
-          </a:solidFill>
-        </p:spPr>
-        <p:style>
-          <a:lnRef idx="2">
-            <a:schemeClr val="accent1">
-              <a:shade val="50000"/>
-            </a:schemeClr>
-          </a:lnRef>
-          <a:fillRef idx="1">
-            <a:schemeClr val="accent1"/>
-          </a:fillRef>
-          <a:effectRef idx="0">
-            <a:schemeClr val="accent1"/>
-          </a:effectRef>
-          <a:fontRef idx="minor">
-            <a:schemeClr val="lt1"/>
-          </a:fontRef>
-        </p:style>
-        <p:txBody>
-          <a:bodyPr rtlCol="0" anchor="ctr"/>
-          <a:lstStyle/>
-          <a:p>
-            <a:pPr algn="ctr"/>
-            <a:r>
-              <a:rPr lang="en-IN" dirty="0">
-                <a:solidFill>
-                  <a:schemeClr val="tx1"/>
-                </a:solidFill>
-              </a:rPr>
-              <a:t>status</a:t>
-            </a:r>
-          </a:p>
-        </p:txBody>
-      </p:sp>
-      <p:cxnSp>
-        <p:nvCxnSpPr>
-          <p:cNvPr id="224" name="Straight Connector 223">
-            <a:extLst>
-              <a:ext uri="{FF2B5EF4-FFF2-40B4-BE49-F238E27FC236}">
-                <a16:creationId xmlns:a16="http://schemas.microsoft.com/office/drawing/2014/main" id="{330BFBA6-8346-4B39-B675-92F213173AEC}"/>
-              </a:ext>
-            </a:extLst>
-          </p:cNvPr>
-          <p:cNvCxnSpPr>
-            <a:cxnSpLocks/>
-            <a:stCxn id="222" idx="4"/>
-          </p:cNvCxnSpPr>
-          <p:nvPr/>
-        </p:nvCxnSpPr>
-        <p:spPr>
-          <a:xfrm flipH="1">
-            <a:off x="9688274" y="4546858"/>
-            <a:ext cx="161282" cy="429129"/>
-          </a:xfrm>
-          <a:prstGeom prst="line">
-            <a:avLst/>
-          </a:prstGeom>
-        </p:spPr>
-        <p:style>
-          <a:lnRef idx="1">
-            <a:schemeClr val="accent1"/>
-          </a:lnRef>
-          <a:fillRef idx="0">
-            <a:schemeClr val="accent1"/>
-          </a:fillRef>
-          <a:effectRef idx="0">
-            <a:schemeClr val="accent1"/>
-          </a:effectRef>
-          <a:fontRef idx="minor">
-            <a:schemeClr val="tx1"/>
-          </a:fontRef>
-        </p:style>
-      </p:cxnSp>
-      <p:cxnSp>
-        <p:nvCxnSpPr>
-          <p:cNvPr id="225" name="Straight Connector 224">
-            <a:extLst>
-              <a:ext uri="{FF2B5EF4-FFF2-40B4-BE49-F238E27FC236}">
-                <a16:creationId xmlns:a16="http://schemas.microsoft.com/office/drawing/2014/main" id="{4A7AD92E-4E09-40A3-9262-D6A9919E40AF}"/>
-              </a:ext>
-            </a:extLst>
-          </p:cNvPr>
-          <p:cNvCxnSpPr>
-            <a:cxnSpLocks/>
-            <a:stCxn id="221" idx="2"/>
-            <a:endCxn id="223" idx="0"/>
-          </p:cNvCxnSpPr>
-          <p:nvPr/>
-        </p:nvCxnSpPr>
-        <p:spPr>
-          <a:xfrm>
-            <a:off x="9241560" y="5393583"/>
-            <a:ext cx="170417" cy="432546"/>
-          </a:xfrm>
-          <a:prstGeom prst="line">
-            <a:avLst/>
-          </a:prstGeom>
-        </p:spPr>
-        <p:style>
-          <a:lnRef idx="1">
-            <a:schemeClr val="accent1"/>
-          </a:lnRef>
-          <a:fillRef idx="0">
-            <a:schemeClr val="accent1"/>
-          </a:fillRef>
-          <a:effectRef idx="0">
-            <a:schemeClr val="accent1"/>
-          </a:effectRef>
-          <a:fontRef idx="minor">
-            <a:schemeClr val="tx1"/>
-          </a:fontRef>
-        </p:style>
-      </p:cxnSp>
-      <p:sp>
-        <p:nvSpPr>
-          <p:cNvPr id="226" name="Oval 225">
-            <a:extLst>
-              <a:ext uri="{FF2B5EF4-FFF2-40B4-BE49-F238E27FC236}">
-                <a16:creationId xmlns:a16="http://schemas.microsoft.com/office/drawing/2014/main" id="{26DABD92-D4EB-4CE0-9B32-EFD6DBF2008E}"/>
-              </a:ext>
-            </a:extLst>
-          </p:cNvPr>
-          <p:cNvSpPr/>
-          <p:nvPr/>
-        </p:nvSpPr>
-        <p:spPr>
-          <a:xfrm>
-            <a:off x="10278533" y="4603073"/>
-            <a:ext cx="1501422" cy="338667"/>
-          </a:xfrm>
-          <a:prstGeom prst="ellipse">
-            <a:avLst/>
-          </a:prstGeom>
-          <a:solidFill>
-            <a:schemeClr val="bg1"/>
-          </a:solidFill>
-        </p:spPr>
-        <p:style>
-          <a:lnRef idx="2">
-            <a:schemeClr val="accent1">
-              <a:shade val="50000"/>
-            </a:schemeClr>
-          </a:lnRef>
-          <a:fillRef idx="1">
-            <a:schemeClr val="accent1"/>
-          </a:fillRef>
-          <a:effectRef idx="0">
-            <a:schemeClr val="accent1"/>
-          </a:effectRef>
-          <a:fontRef idx="minor">
-            <a:schemeClr val="lt1"/>
-          </a:fontRef>
-        </p:style>
-        <p:txBody>
-          <a:bodyPr rtlCol="0" anchor="ctr"/>
-          <a:lstStyle/>
-          <a:p>
-            <a:pPr algn="ctr"/>
-            <a:r>
-              <a:rPr lang="en-IN" dirty="0">
-                <a:solidFill>
-                  <a:schemeClr val="tx1"/>
-                </a:solidFill>
-              </a:rPr>
-              <a:t>c_fees</a:t>
-            </a:r>
-          </a:p>
-        </p:txBody>
-      </p:sp>
-      <p:cxnSp>
-        <p:nvCxnSpPr>
-          <p:cNvPr id="227" name="Straight Connector 226">
-            <a:extLst>
-              <a:ext uri="{FF2B5EF4-FFF2-40B4-BE49-F238E27FC236}">
-                <a16:creationId xmlns:a16="http://schemas.microsoft.com/office/drawing/2014/main" id="{20644ED0-F080-44D2-B205-4538AA8F3F42}"/>
-              </a:ext>
-            </a:extLst>
-          </p:cNvPr>
-          <p:cNvCxnSpPr>
-            <a:cxnSpLocks/>
-            <a:stCxn id="226" idx="3"/>
-            <a:endCxn id="221" idx="3"/>
-          </p:cNvCxnSpPr>
-          <p:nvPr/>
-        </p:nvCxnSpPr>
-        <p:spPr>
-          <a:xfrm flipH="1">
-            <a:off x="9992271" y="4892143"/>
-            <a:ext cx="506140" cy="286951"/>
-          </a:xfrm>
-          <a:prstGeom prst="line">
-            <a:avLst/>
-          </a:prstGeom>
-        </p:spPr>
-        <p:style>
-          <a:lnRef idx="1">
-            <a:schemeClr val="accent1"/>
-          </a:lnRef>
-          <a:fillRef idx="0">
-            <a:schemeClr val="accent1"/>
-          </a:fillRef>
-          <a:effectRef idx="0">
-            <a:schemeClr val="accent1"/>
-          </a:effectRef>
-          <a:fontRef idx="minor">
-            <a:schemeClr val="tx1"/>
-          </a:fontRef>
-        </p:style>
-      </p:cxnSp>
-      <p:sp>
-        <p:nvSpPr>
-          <p:cNvPr id="243" name="Oval 242">
-            <a:extLst>
-              <a:ext uri="{FF2B5EF4-FFF2-40B4-BE49-F238E27FC236}">
-                <a16:creationId xmlns:a16="http://schemas.microsoft.com/office/drawing/2014/main" id="{609A243B-4B00-42BA-8159-4DDE28D35462}"/>
-              </a:ext>
-            </a:extLst>
-          </p:cNvPr>
-          <p:cNvSpPr/>
-          <p:nvPr/>
-        </p:nvSpPr>
-        <p:spPr>
-          <a:xfrm>
-            <a:off x="7976621" y="4032783"/>
-            <a:ext cx="1309511" cy="338667"/>
-          </a:xfrm>
-          <a:prstGeom prst="ellipse">
-            <a:avLst/>
-          </a:prstGeom>
-          <a:solidFill>
-            <a:schemeClr val="bg1"/>
-          </a:solidFill>
-        </p:spPr>
-        <p:style>
-          <a:lnRef idx="2">
-            <a:schemeClr val="accent1">
-              <a:shade val="50000"/>
-            </a:schemeClr>
-          </a:lnRef>
-          <a:fillRef idx="1">
-            <a:schemeClr val="accent1"/>
-          </a:fillRef>
-          <a:effectRef idx="0">
-            <a:schemeClr val="accent1"/>
-          </a:effectRef>
-          <a:fontRef idx="minor">
-            <a:schemeClr val="lt1"/>
-          </a:fontRef>
-        </p:style>
-        <p:txBody>
-          <a:bodyPr rtlCol="0" anchor="ctr"/>
-          <a:lstStyle/>
-          <a:p>
-            <a:pPr algn="ctr"/>
-            <a:r>
-              <a:rPr lang="en-IN" dirty="0">
-                <a:solidFill>
-                  <a:schemeClr val="tx1"/>
-                </a:solidFill>
-              </a:rPr>
-              <a:t>user_id</a:t>
-            </a:r>
-          </a:p>
-        </p:txBody>
-      </p:sp>
-      <p:cxnSp>
-        <p:nvCxnSpPr>
-          <p:cNvPr id="244" name="Straight Connector 243">
-            <a:extLst>
-              <a:ext uri="{FF2B5EF4-FFF2-40B4-BE49-F238E27FC236}">
-                <a16:creationId xmlns:a16="http://schemas.microsoft.com/office/drawing/2014/main" id="{6EA16499-BD31-4AC6-BB62-E32875EE8663}"/>
-              </a:ext>
-            </a:extLst>
-          </p:cNvPr>
-          <p:cNvCxnSpPr>
-            <a:cxnSpLocks/>
-            <a:stCxn id="243" idx="4"/>
-          </p:cNvCxnSpPr>
-          <p:nvPr/>
-        </p:nvCxnSpPr>
-        <p:spPr>
-          <a:xfrm>
-            <a:off x="8631377" y="4371450"/>
-            <a:ext cx="378924" cy="593155"/>
-          </a:xfrm>
-          <a:prstGeom prst="line">
-            <a:avLst/>
-          </a:prstGeom>
-        </p:spPr>
-        <p:style>
-          <a:lnRef idx="1">
-            <a:schemeClr val="accent1"/>
-          </a:lnRef>
-          <a:fillRef idx="0">
-            <a:schemeClr val="accent1"/>
-          </a:fillRef>
-          <a:effectRef idx="0">
-            <a:schemeClr val="accent1"/>
-          </a:effectRef>
-          <a:fontRef idx="minor">
-            <a:schemeClr val="tx1"/>
-          </a:fontRef>
-        </p:style>
-      </p:cxnSp>
-      <p:cxnSp>
-        <p:nvCxnSpPr>
-          <p:cNvPr id="249" name="Straight Connector 248">
-            <a:extLst>
-              <a:ext uri="{FF2B5EF4-FFF2-40B4-BE49-F238E27FC236}">
-                <a16:creationId xmlns:a16="http://schemas.microsoft.com/office/drawing/2014/main" id="{82D3545B-2BAB-4846-AB62-65FE8F7CA4C5}"/>
-              </a:ext>
-            </a:extLst>
-          </p:cNvPr>
-          <p:cNvCxnSpPr>
-            <a:cxnSpLocks/>
-          </p:cNvCxnSpPr>
-          <p:nvPr/>
-        </p:nvCxnSpPr>
-        <p:spPr>
-          <a:xfrm flipH="1" flipV="1">
-            <a:off x="9964837" y="5370869"/>
-            <a:ext cx="456411" cy="97295"/>
-          </a:xfrm>
-          <a:prstGeom prst="line">
-            <a:avLst/>
-          </a:prstGeom>
-        </p:spPr>
-        <p:style>
-          <a:lnRef idx="1">
-            <a:schemeClr val="accent1"/>
-          </a:lnRef>
-          <a:fillRef idx="0">
-            <a:schemeClr val="accent1"/>
-          </a:fillRef>
-          <a:effectRef idx="0">
-            <a:schemeClr val="accent1"/>
-          </a:effectRef>
-          <a:fontRef idx="minor">
-            <a:schemeClr val="tx1"/>
-          </a:fontRef>
-        </p:style>
-      </p:cxnSp>
-      <p:sp>
-        <p:nvSpPr>
-          <p:cNvPr id="251" name="Oval 250">
-            <a:extLst>
-              <a:ext uri="{FF2B5EF4-FFF2-40B4-BE49-F238E27FC236}">
-                <a16:creationId xmlns:a16="http://schemas.microsoft.com/office/drawing/2014/main" id="{683399F0-67AA-4232-A1E0-2F34C782C49D}"/>
-              </a:ext>
-            </a:extLst>
-          </p:cNvPr>
-          <p:cNvSpPr/>
-          <p:nvPr/>
-        </p:nvSpPr>
-        <p:spPr>
-          <a:xfrm>
-            <a:off x="10388985" y="5296373"/>
-            <a:ext cx="1309511" cy="338667"/>
-          </a:xfrm>
-          <a:prstGeom prst="ellipse">
-            <a:avLst/>
-          </a:prstGeom>
-          <a:solidFill>
-            <a:schemeClr val="bg1"/>
-          </a:solidFill>
-        </p:spPr>
-        <p:style>
-          <a:lnRef idx="2">
-            <a:schemeClr val="accent1">
-              <a:shade val="50000"/>
-            </a:schemeClr>
-          </a:lnRef>
-          <a:fillRef idx="1">
-            <a:schemeClr val="accent1"/>
-          </a:fillRef>
-          <a:effectRef idx="0">
-            <a:schemeClr val="accent1"/>
-          </a:effectRef>
-          <a:fontRef idx="minor">
-            <a:schemeClr val="lt1"/>
-          </a:fontRef>
-        </p:style>
-        <p:txBody>
-          <a:bodyPr rtlCol="0" anchor="ctr"/>
-          <a:lstStyle/>
-          <a:p>
-            <a:pPr algn="ctr"/>
-            <a:r>
-              <a:rPr lang="en-IN" dirty="0">
+              <a:rPr lang="en-IN" u="sng" dirty="0">
                 <a:solidFill>
                   <a:schemeClr val="tx1"/>
                 </a:solidFill>
@@ -6969,10 +6974,9 @@
           <a:p>
             <a:pPr algn="ctr"/>
             <a:r>
-              <a:rPr lang="en-IN" dirty="0" err="1"/>
+              <a:rPr lang="en-IN" dirty="0"/>
               <a:t>enroll</a:t>
             </a:r>
-            <a:endParaRPr lang="en-IN" dirty="0"/>
           </a:p>
         </p:txBody>
       </p:sp>

--- a/er_diagram.pptx
+++ b/er_diagram.pptx
@@ -7183,6 +7183,207 @@
           </a:fontRef>
         </p:style>
       </p:cxnSp>
+      <p:sp>
+        <p:nvSpPr>
+          <p:cNvPr id="91" name="Oval 90">
+            <a:extLst>
+              <a:ext uri="{FF2B5EF4-FFF2-40B4-BE49-F238E27FC236}">
+                <a16:creationId xmlns:a16="http://schemas.microsoft.com/office/drawing/2014/main" id="{BBC08B42-1D31-4930-BA43-EB46BAE188F7}"/>
+              </a:ext>
+            </a:extLst>
+          </p:cNvPr>
+          <p:cNvSpPr/>
+          <p:nvPr/>
+        </p:nvSpPr>
+        <p:spPr>
+          <a:xfrm>
+            <a:off x="100870" y="4048158"/>
+            <a:ext cx="1207702" cy="291865"/>
+          </a:xfrm>
+          <a:prstGeom prst="ellipse">
+            <a:avLst/>
+          </a:prstGeom>
+          <a:solidFill>
+            <a:schemeClr val="bg1"/>
+          </a:solidFill>
+        </p:spPr>
+        <p:style>
+          <a:lnRef idx="2">
+            <a:schemeClr val="accent1">
+              <a:shade val="50000"/>
+            </a:schemeClr>
+          </a:lnRef>
+          <a:fillRef idx="1">
+            <a:schemeClr val="accent1"/>
+          </a:fillRef>
+          <a:effectRef idx="0">
+            <a:schemeClr val="accent1"/>
+          </a:effectRef>
+          <a:fontRef idx="minor">
+            <a:schemeClr val="lt1"/>
+          </a:fontRef>
+        </p:style>
+        <p:txBody>
+          <a:bodyPr rtlCol="0" anchor="ctr"/>
+          <a:lstStyle/>
+          <a:p>
+            <a:pPr algn="ctr"/>
+            <a:r>
+              <a:rPr lang="en-IN" u="sng" dirty="0" err="1">
+                <a:solidFill>
+                  <a:schemeClr val="tx1"/>
+                </a:solidFill>
+              </a:rPr>
+              <a:t>f_id</a:t>
+            </a:r>
+            <a:endParaRPr lang="en-IN" u="sng" dirty="0">
+              <a:solidFill>
+                <a:schemeClr val="tx1"/>
+              </a:solidFill>
+            </a:endParaRPr>
+          </a:p>
+        </p:txBody>
+      </p:sp>
+      <p:cxnSp>
+        <p:nvCxnSpPr>
+          <p:cNvPr id="92" name="Straight Connector 91">
+            <a:extLst>
+              <a:ext uri="{FF2B5EF4-FFF2-40B4-BE49-F238E27FC236}">
+                <a16:creationId xmlns:a16="http://schemas.microsoft.com/office/drawing/2014/main" id="{5566A205-A21F-42B0-ABEE-BE0905C4B652}"/>
+              </a:ext>
+            </a:extLst>
+          </p:cNvPr>
+          <p:cNvCxnSpPr>
+            <a:cxnSpLocks/>
+            <a:stCxn id="91" idx="5"/>
+          </p:cNvCxnSpPr>
+          <p:nvPr/>
+        </p:nvCxnSpPr>
+        <p:spPr>
+          <a:xfrm>
+            <a:off x="1131708" y="4297280"/>
+            <a:ext cx="202012" cy="110524"/>
+          </a:xfrm>
+          <a:prstGeom prst="line">
+            <a:avLst/>
+          </a:prstGeom>
+        </p:spPr>
+        <p:style>
+          <a:lnRef idx="1">
+            <a:schemeClr val="accent1"/>
+          </a:lnRef>
+          <a:fillRef idx="0">
+            <a:schemeClr val="accent1"/>
+          </a:fillRef>
+          <a:effectRef idx="0">
+            <a:schemeClr val="accent1"/>
+          </a:effectRef>
+          <a:fontRef idx="minor">
+            <a:schemeClr val="tx1"/>
+          </a:fontRef>
+        </p:style>
+      </p:cxnSp>
+      <p:sp>
+        <p:nvSpPr>
+          <p:cNvPr id="93" name="Oval 92">
+            <a:extLst>
+              <a:ext uri="{FF2B5EF4-FFF2-40B4-BE49-F238E27FC236}">
+                <a16:creationId xmlns:a16="http://schemas.microsoft.com/office/drawing/2014/main" id="{479E500E-C4D6-4A30-AF32-8397AC139DF5}"/>
+              </a:ext>
+            </a:extLst>
+          </p:cNvPr>
+          <p:cNvSpPr/>
+          <p:nvPr/>
+        </p:nvSpPr>
+        <p:spPr>
+          <a:xfrm>
+            <a:off x="8435186" y="2372848"/>
+            <a:ext cx="1309511" cy="338667"/>
+          </a:xfrm>
+          <a:prstGeom prst="ellipse">
+            <a:avLst/>
+          </a:prstGeom>
+          <a:solidFill>
+            <a:schemeClr val="bg1"/>
+          </a:solidFill>
+        </p:spPr>
+        <p:style>
+          <a:lnRef idx="2">
+            <a:schemeClr val="accent1">
+              <a:shade val="50000"/>
+            </a:schemeClr>
+          </a:lnRef>
+          <a:fillRef idx="1">
+            <a:schemeClr val="accent1"/>
+          </a:fillRef>
+          <a:effectRef idx="0">
+            <a:schemeClr val="accent1"/>
+          </a:effectRef>
+          <a:fontRef idx="minor">
+            <a:schemeClr val="lt1"/>
+          </a:fontRef>
+        </p:style>
+        <p:txBody>
+          <a:bodyPr rtlCol="0" anchor="ctr"/>
+          <a:lstStyle/>
+          <a:p>
+            <a:pPr algn="ctr"/>
+            <a:r>
+              <a:rPr lang="en-IN" u="sng" dirty="0" err="1">
+                <a:solidFill>
+                  <a:schemeClr val="tx1"/>
+                </a:solidFill>
+              </a:rPr>
+              <a:t>c_id</a:t>
+            </a:r>
+            <a:endParaRPr lang="en-IN" u="sng" dirty="0">
+              <a:solidFill>
+                <a:schemeClr val="tx1"/>
+              </a:solidFill>
+            </a:endParaRPr>
+          </a:p>
+        </p:txBody>
+      </p:sp>
+      <p:cxnSp>
+        <p:nvCxnSpPr>
+          <p:cNvPr id="94" name="Straight Connector 93">
+            <a:extLst>
+              <a:ext uri="{FF2B5EF4-FFF2-40B4-BE49-F238E27FC236}">
+                <a16:creationId xmlns:a16="http://schemas.microsoft.com/office/drawing/2014/main" id="{38E56D69-2121-4E26-B036-9477D113D00E}"/>
+              </a:ext>
+            </a:extLst>
+          </p:cNvPr>
+          <p:cNvCxnSpPr>
+            <a:cxnSpLocks/>
+            <a:stCxn id="6" idx="2"/>
+            <a:endCxn id="93" idx="0"/>
+          </p:cNvCxnSpPr>
+          <p:nvPr/>
+        </p:nvCxnSpPr>
+        <p:spPr>
+          <a:xfrm>
+            <a:off x="8799964" y="1963236"/>
+            <a:ext cx="289978" cy="409612"/>
+          </a:xfrm>
+          <a:prstGeom prst="line">
+            <a:avLst/>
+          </a:prstGeom>
+        </p:spPr>
+        <p:style>
+          <a:lnRef idx="1">
+            <a:schemeClr val="accent1"/>
+          </a:lnRef>
+          <a:fillRef idx="0">
+            <a:schemeClr val="accent1"/>
+          </a:fillRef>
+          <a:effectRef idx="0">
+            <a:schemeClr val="accent1"/>
+          </a:effectRef>
+          <a:fontRef idx="minor">
+            <a:schemeClr val="tx1"/>
+          </a:fontRef>
+        </p:style>
+      </p:cxnSp>
     </p:spTree>
     <p:extLst>
       <p:ext uri="{BB962C8B-B14F-4D97-AF65-F5344CB8AC3E}">
